--- a/clean-code/clean code - Fu, Biye.pptx
+++ b/clean-code/clean code - Fu, Biye.pptx
@@ -5,7 +5,7 @@
     <p:sldMasterId id="2147483648" r:id="rId1"/>
   </p:sldMasterIdLst>
   <p:notesMasterIdLst>
-    <p:notesMasterId r:id="rId8"/>
+    <p:notesMasterId r:id="rId10"/>
   </p:notesMasterIdLst>
   <p:sldIdLst>
     <p:sldId id="256" r:id="rId2"/>
@@ -14,6 +14,8 @@
     <p:sldId id="262" r:id="rId5"/>
     <p:sldId id="263" r:id="rId6"/>
     <p:sldId id="264" r:id="rId7"/>
+    <p:sldId id="265" r:id="rId8"/>
+    <p:sldId id="266" r:id="rId9"/>
   </p:sldIdLst>
   <p:sldSz cx="12192000" cy="6858000"/>
   <p:notesSz cx="6858000" cy="9144000"/>
@@ -202,7 +204,7 @@
           <a:p>
             <a:fld id="{D2A48B96-639E-45A3-A0BA-2464DFDB1FAA}" type="datetimeFigureOut">
               <a:rPr lang="zh-CN" altLang="en-US" smtClean="0"/>
-              <a:t>2019/7/30</a:t>
+              <a:t>2019/8/5</a:t>
             </a:fld>
             <a:endParaRPr lang="zh-CN" altLang="en-US"/>
           </a:p>
@@ -631,7 +633,7 @@
           <a:p>
             <a:fld id="{D997B5FA-0921-464F-AAE1-844C04324D75}" type="datetimeFigureOut">
               <a:rPr lang="zh-CN" altLang="en-US" smtClean="0"/>
-              <a:t>2019/7/30</a:t>
+              <a:t>2019/8/5</a:t>
             </a:fld>
             <a:endParaRPr lang="zh-CN" altLang="en-US"/>
           </a:p>
@@ -810,7 +812,7 @@
           <a:p>
             <a:fld id="{D997B5FA-0921-464F-AAE1-844C04324D75}" type="datetimeFigureOut">
               <a:rPr lang="zh-CN" altLang="en-US" smtClean="0"/>
-              <a:t>2019/7/30</a:t>
+              <a:t>2019/8/5</a:t>
             </a:fld>
             <a:endParaRPr lang="zh-CN" altLang="en-US"/>
           </a:p>
@@ -983,7 +985,7 @@
           <a:p>
             <a:fld id="{D997B5FA-0921-464F-AAE1-844C04324D75}" type="datetimeFigureOut">
               <a:rPr lang="zh-CN" altLang="en-US" smtClean="0"/>
-              <a:t>2019/7/30</a:t>
+              <a:t>2019/8/5</a:t>
             </a:fld>
             <a:endParaRPr lang="zh-CN" altLang="en-US"/>
           </a:p>
@@ -1160,7 +1162,7 @@
           <a:p>
             <a:fld id="{D997B5FA-0921-464F-AAE1-844C04324D75}" type="datetimeFigureOut">
               <a:rPr lang="zh-CN" altLang="en-US" smtClean="0"/>
-              <a:t>2019/7/30</a:t>
+              <a:t>2019/8/5</a:t>
             </a:fld>
             <a:endParaRPr lang="zh-CN" altLang="en-US"/>
           </a:p>
@@ -1446,7 +1448,7 @@
           <a:p>
             <a:fld id="{D997B5FA-0921-464F-AAE1-844C04324D75}" type="datetimeFigureOut">
               <a:rPr lang="zh-CN" altLang="en-US" smtClean="0"/>
-              <a:t>2019/7/30</a:t>
+              <a:t>2019/8/5</a:t>
             </a:fld>
             <a:endParaRPr lang="zh-CN" altLang="en-US"/>
           </a:p>
@@ -1670,7 +1672,7 @@
           <a:p>
             <a:fld id="{D997B5FA-0921-464F-AAE1-844C04324D75}" type="datetimeFigureOut">
               <a:rPr lang="zh-CN" altLang="en-US" smtClean="0"/>
-              <a:t>2019/7/30</a:t>
+              <a:t>2019/8/5</a:t>
             </a:fld>
             <a:endParaRPr lang="zh-CN" altLang="en-US"/>
           </a:p>
@@ -2029,7 +2031,7 @@
           <a:p>
             <a:fld id="{D997B5FA-0921-464F-AAE1-844C04324D75}" type="datetimeFigureOut">
               <a:rPr lang="zh-CN" altLang="en-US" smtClean="0"/>
-              <a:t>2019/7/30</a:t>
+              <a:t>2019/8/5</a:t>
             </a:fld>
             <a:endParaRPr lang="zh-CN" altLang="en-US"/>
           </a:p>
@@ -2157,7 +2159,7 @@
           <a:p>
             <a:fld id="{D997B5FA-0921-464F-AAE1-844C04324D75}" type="datetimeFigureOut">
               <a:rPr lang="zh-CN" altLang="en-US" smtClean="0"/>
-              <a:t>2019/7/30</a:t>
+              <a:t>2019/8/5</a:t>
             </a:fld>
             <a:endParaRPr lang="zh-CN" altLang="en-US"/>
           </a:p>
@@ -2263,7 +2265,7 @@
           <a:p>
             <a:fld id="{D997B5FA-0921-464F-AAE1-844C04324D75}" type="datetimeFigureOut">
               <a:rPr lang="zh-CN" altLang="en-US" smtClean="0"/>
-              <a:t>2019/7/30</a:t>
+              <a:t>2019/8/5</a:t>
             </a:fld>
             <a:endParaRPr lang="zh-CN" altLang="en-US"/>
           </a:p>
@@ -2533,7 +2535,7 @@
           <a:p>
             <a:fld id="{D997B5FA-0921-464F-AAE1-844C04324D75}" type="datetimeFigureOut">
               <a:rPr lang="zh-CN" altLang="en-US" smtClean="0"/>
-              <a:t>2019/7/30</a:t>
+              <a:t>2019/8/5</a:t>
             </a:fld>
             <a:endParaRPr lang="zh-CN" altLang="en-US"/>
           </a:p>
@@ -2780,7 +2782,7 @@
           <a:p>
             <a:fld id="{D997B5FA-0921-464F-AAE1-844C04324D75}" type="datetimeFigureOut">
               <a:rPr lang="zh-CN" altLang="en-US" smtClean="0"/>
-              <a:t>2019/7/30</a:t>
+              <a:t>2019/8/5</a:t>
             </a:fld>
             <a:endParaRPr lang="zh-CN" altLang="en-US"/>
           </a:p>
@@ -3001,7 +3003,7 @@
           <a:p>
             <a:fld id="{D997B5FA-0921-464F-AAE1-844C04324D75}" type="datetimeFigureOut">
               <a:rPr lang="zh-CN" altLang="en-US" smtClean="0"/>
-              <a:t>2019/7/30</a:t>
+              <a:t>2019/8/5</a:t>
             </a:fld>
             <a:endParaRPr lang="zh-CN" altLang="en-US"/>
           </a:p>
@@ -4606,12 +4608,429 @@
               <a:t>.</a:t>
             </a:r>
           </a:p>
+          <a:p>
+            <a:pPr lvl="1"/>
+            <a:endParaRPr lang="en-US" altLang="zh-CN" sz="1600" dirty="0"/>
+          </a:p>
+          <a:p>
+            <a:pPr lvl="1"/>
+            <a:endParaRPr lang="en-US" altLang="zh-CN" sz="1600" dirty="0"/>
+          </a:p>
+          <a:p>
+            <a:pPr marL="0" indent="0">
+              <a:buNone/>
+            </a:pPr>
+            <a:r>
+              <a:rPr lang="en-US" altLang="zh-CN" sz="3200" b="1" dirty="0"/>
+              <a:t>DON’T FORMAT WHOLE FILE!!!  </a:t>
+            </a:r>
+          </a:p>
+          <a:p>
+            <a:pPr marL="0" indent="0">
+              <a:buNone/>
+            </a:pPr>
+            <a:r>
+              <a:rPr lang="en-US" altLang="zh-CN" sz="3200" b="1" dirty="0"/>
+              <a:t>ONLY FORMAT MODIFIED PART!!!</a:t>
+            </a:r>
+          </a:p>
         </p:txBody>
       </p:sp>
     </p:spTree>
     <p:extLst>
       <p:ext uri="{BB962C8B-B14F-4D97-AF65-F5344CB8AC3E}">
         <p14:creationId xmlns:p14="http://schemas.microsoft.com/office/powerpoint/2010/main" val="3483766529"/>
+      </p:ext>
+    </p:extLst>
+  </p:cSld>
+  <p:clrMapOvr>
+    <a:masterClrMapping/>
+  </p:clrMapOvr>
+</p:sld>
+</file>
+
+<file path=ppt/slides/slide7.xml><?xml version="1.0" encoding="utf-8"?>
+<p:sld xmlns:a="http://schemas.openxmlformats.org/drawingml/2006/main" xmlns:r="http://schemas.openxmlformats.org/officeDocument/2006/relationships" xmlns:p="http://schemas.openxmlformats.org/presentationml/2006/main">
+  <p:cSld>
+    <p:spTree>
+      <p:nvGrpSpPr>
+        <p:cNvPr id="1" name=""/>
+        <p:cNvGrpSpPr/>
+        <p:nvPr/>
+      </p:nvGrpSpPr>
+      <p:grpSpPr>
+        <a:xfrm>
+          <a:off x="0" y="0"/>
+          <a:ext cx="0" cy="0"/>
+          <a:chOff x="0" y="0"/>
+          <a:chExt cx="0" cy="0"/>
+        </a:xfrm>
+      </p:grpSpPr>
+      <p:sp>
+        <p:nvSpPr>
+          <p:cNvPr id="2" name="标题 1">
+            <a:extLst>
+              <a:ext uri="{FF2B5EF4-FFF2-40B4-BE49-F238E27FC236}">
+                <a16:creationId xmlns:a16="http://schemas.microsoft.com/office/drawing/2014/main" id="{BCF153A1-B9D9-4A60-8692-2BFBC732173F}"/>
+              </a:ext>
+            </a:extLst>
+          </p:cNvPr>
+          <p:cNvSpPr>
+            <a:spLocks noGrp="1"/>
+          </p:cNvSpPr>
+          <p:nvPr>
+            <p:ph type="title"/>
+          </p:nvPr>
+        </p:nvSpPr>
+        <p:spPr/>
+        <p:txBody>
+          <a:bodyPr/>
+          <a:lstStyle/>
+          <a:p>
+            <a:r>
+              <a:rPr lang="en-US" altLang="zh-CN" dirty="0"/>
+              <a:t>Objects and Data Structures</a:t>
+            </a:r>
+            <a:endParaRPr lang="zh-CN" altLang="en-US" dirty="0"/>
+          </a:p>
+        </p:txBody>
+      </p:sp>
+      <p:sp>
+        <p:nvSpPr>
+          <p:cNvPr id="3" name="内容占位符 2">
+            <a:extLst>
+              <a:ext uri="{FF2B5EF4-FFF2-40B4-BE49-F238E27FC236}">
+                <a16:creationId xmlns:a16="http://schemas.microsoft.com/office/drawing/2014/main" id="{C2E6B044-98B8-420E-B5D4-563B6E6ADBBE}"/>
+              </a:ext>
+            </a:extLst>
+          </p:cNvPr>
+          <p:cNvSpPr>
+            <a:spLocks noGrp="1"/>
+          </p:cNvSpPr>
+          <p:nvPr>
+            <p:ph idx="1"/>
+          </p:nvPr>
+        </p:nvSpPr>
+        <p:spPr/>
+        <p:txBody>
+          <a:bodyPr>
+            <a:normAutofit/>
+          </a:bodyPr>
+          <a:lstStyle/>
+          <a:p>
+            <a:r>
+              <a:rPr lang="en-US" altLang="zh-CN" sz="2000" dirty="0"/>
+              <a:t>Data Abstraction   Hiding implementation</a:t>
+            </a:r>
+          </a:p>
+          <a:p>
+            <a:r>
+              <a:rPr lang="en-US" altLang="zh-CN" sz="2000" dirty="0"/>
+              <a:t>Data/Object Anti-Symmetry</a:t>
+            </a:r>
+          </a:p>
+          <a:p>
+            <a:pPr lvl="1"/>
+            <a:r>
+              <a:rPr lang="en-US" altLang="zh-CN" sz="1800" dirty="0"/>
+              <a:t>Objects: hide their data  and expose functions</a:t>
+            </a:r>
+          </a:p>
+          <a:p>
+            <a:pPr lvl="1"/>
+            <a:r>
+              <a:rPr lang="en-US" altLang="zh-CN" sz="1800" dirty="0"/>
+              <a:t>Data structure: expose their data and no meaningful functions</a:t>
+            </a:r>
+          </a:p>
+          <a:p>
+            <a:r>
+              <a:rPr lang="en-US" altLang="zh-CN" sz="2200" dirty="0"/>
+              <a:t>The Law of Demeter</a:t>
+            </a:r>
+          </a:p>
+          <a:p>
+            <a:pPr marL="457200" lvl="1" indent="0">
+              <a:buNone/>
+            </a:pPr>
+            <a:r>
+              <a:rPr lang="en-US" altLang="zh-CN" sz="1800" dirty="0"/>
+              <a:t>A module should not know about the innards of the objects</a:t>
+            </a:r>
+          </a:p>
+          <a:p>
+            <a:pPr lvl="1"/>
+            <a:r>
+              <a:rPr lang="en-US" altLang="zh-CN" sz="1800" dirty="0"/>
+              <a:t>Train Wrecks     </a:t>
+            </a:r>
+            <a:r>
+              <a:rPr lang="en-US" altLang="zh-CN" sz="1800" dirty="0" err="1"/>
+              <a:t>a.xxx</a:t>
+            </a:r>
+            <a:r>
+              <a:rPr lang="en-US" altLang="zh-CN" sz="1800" dirty="0"/>
+              <a:t>().</a:t>
+            </a:r>
+            <a:r>
+              <a:rPr lang="en-US" altLang="zh-CN" sz="1800" dirty="0" err="1"/>
+              <a:t>yyy</a:t>
+            </a:r>
+            <a:r>
+              <a:rPr lang="en-US" altLang="zh-CN" sz="1800" dirty="0"/>
+              <a:t>().</a:t>
+            </a:r>
+            <a:r>
+              <a:rPr lang="en-US" altLang="zh-CN" sz="1800" dirty="0" err="1"/>
+              <a:t>zzz</a:t>
+            </a:r>
+            <a:r>
+              <a:rPr lang="en-US" altLang="zh-CN" sz="1800" dirty="0"/>
+              <a:t>()   -&gt; X x = </a:t>
+            </a:r>
+            <a:r>
+              <a:rPr lang="en-US" altLang="zh-CN" sz="1800" dirty="0" err="1"/>
+              <a:t>a.xxx</a:t>
+            </a:r>
+            <a:r>
+              <a:rPr lang="en-US" altLang="zh-CN" sz="1800" dirty="0"/>
+              <a:t>();   Y y = </a:t>
+            </a:r>
+            <a:r>
+              <a:rPr lang="en-US" altLang="zh-CN" sz="1800" dirty="0" err="1"/>
+              <a:t>x.yyy</a:t>
+            </a:r>
+            <a:r>
+              <a:rPr lang="en-US" altLang="zh-CN" sz="1800" dirty="0"/>
+              <a:t>();   Z </a:t>
+            </a:r>
+            <a:r>
+              <a:rPr lang="en-US" altLang="zh-CN" sz="1800" dirty="0" err="1"/>
+              <a:t>z</a:t>
+            </a:r>
+            <a:r>
+              <a:rPr lang="en-US" altLang="zh-CN" sz="1800" dirty="0"/>
+              <a:t> = </a:t>
+            </a:r>
+            <a:r>
+              <a:rPr lang="en-US" altLang="zh-CN" sz="1800" dirty="0" err="1"/>
+              <a:t>y.zzz</a:t>
+            </a:r>
+            <a:r>
+              <a:rPr lang="en-US" altLang="zh-CN" sz="1800" dirty="0"/>
+              <a:t>();</a:t>
+            </a:r>
+          </a:p>
+          <a:p>
+            <a:pPr lvl="1"/>
+            <a:r>
+              <a:rPr lang="en-US" altLang="zh-CN" sz="1800" dirty="0"/>
+              <a:t>Hybrids  should be avoided when creating </a:t>
+            </a:r>
+          </a:p>
+          <a:p>
+            <a:pPr lvl="1"/>
+            <a:r>
+              <a:rPr lang="en-US" altLang="zh-CN" sz="1800" dirty="0"/>
+              <a:t>Hiding Structure   Z </a:t>
+            </a:r>
+            <a:r>
+              <a:rPr lang="en-US" altLang="zh-CN" sz="1800" dirty="0" err="1"/>
+              <a:t>z</a:t>
+            </a:r>
+            <a:r>
+              <a:rPr lang="en-US" altLang="zh-CN" sz="1800" dirty="0"/>
+              <a:t> = </a:t>
+            </a:r>
+            <a:r>
+              <a:rPr lang="en-US" altLang="zh-CN" sz="1800" dirty="0" err="1"/>
+              <a:t>a.doSometing</a:t>
+            </a:r>
+            <a:r>
+              <a:rPr lang="en-US" altLang="zh-CN" sz="1800" dirty="0"/>
+              <a:t>()     </a:t>
+            </a:r>
+          </a:p>
+          <a:p>
+            <a:pPr marL="457200" lvl="1" indent="0">
+              <a:buNone/>
+            </a:pPr>
+            <a:r>
+              <a:rPr lang="en-US" altLang="zh-CN" sz="1800" dirty="0"/>
+              <a:t>     an object we should be telling it to do something; we should not be asking it about its internals</a:t>
+            </a:r>
+          </a:p>
+          <a:p>
+            <a:r>
+              <a:rPr lang="en-US" altLang="zh-CN" sz="2200" dirty="0"/>
+              <a:t>Data Transfer Objects</a:t>
+            </a:r>
+          </a:p>
+          <a:p>
+            <a:pPr marL="457200" lvl="1" indent="0">
+              <a:buNone/>
+            </a:pPr>
+            <a:r>
+              <a:rPr lang="en-US" altLang="zh-CN" sz="1800" dirty="0"/>
+              <a:t>DTO   communicating with DB or parsing messages from sockets</a:t>
+            </a:r>
+          </a:p>
+          <a:p>
+            <a:pPr marL="457200" lvl="1" indent="0">
+              <a:buNone/>
+            </a:pPr>
+            <a:r>
+              <a:rPr lang="en-US" altLang="zh-CN" sz="1800" dirty="0"/>
+              <a:t>“bean” form, have private variables manipulate by getters and setters</a:t>
+            </a:r>
+          </a:p>
+        </p:txBody>
+      </p:sp>
+    </p:spTree>
+    <p:extLst>
+      <p:ext uri="{BB962C8B-B14F-4D97-AF65-F5344CB8AC3E}">
+        <p14:creationId xmlns:p14="http://schemas.microsoft.com/office/powerpoint/2010/main" val="2215148172"/>
+      </p:ext>
+    </p:extLst>
+  </p:cSld>
+  <p:clrMapOvr>
+    <a:masterClrMapping/>
+  </p:clrMapOvr>
+</p:sld>
+</file>
+
+<file path=ppt/slides/slide8.xml><?xml version="1.0" encoding="utf-8"?>
+<p:sld xmlns:a="http://schemas.openxmlformats.org/drawingml/2006/main" xmlns:r="http://schemas.openxmlformats.org/officeDocument/2006/relationships" xmlns:p="http://schemas.openxmlformats.org/presentationml/2006/main">
+  <p:cSld>
+    <p:spTree>
+      <p:nvGrpSpPr>
+        <p:cNvPr id="1" name=""/>
+        <p:cNvGrpSpPr/>
+        <p:nvPr/>
+      </p:nvGrpSpPr>
+      <p:grpSpPr>
+        <a:xfrm>
+          <a:off x="0" y="0"/>
+          <a:ext cx="0" cy="0"/>
+          <a:chOff x="0" y="0"/>
+          <a:chExt cx="0" cy="0"/>
+        </a:xfrm>
+      </p:grpSpPr>
+      <p:sp>
+        <p:nvSpPr>
+          <p:cNvPr id="2" name="标题 1">
+            <a:extLst>
+              <a:ext uri="{FF2B5EF4-FFF2-40B4-BE49-F238E27FC236}">
+                <a16:creationId xmlns:a16="http://schemas.microsoft.com/office/drawing/2014/main" id="{E09A4D9B-B0E6-43EE-98EE-27241D158501}"/>
+              </a:ext>
+            </a:extLst>
+          </p:cNvPr>
+          <p:cNvSpPr>
+            <a:spLocks noGrp="1"/>
+          </p:cNvSpPr>
+          <p:nvPr>
+            <p:ph type="title"/>
+          </p:nvPr>
+        </p:nvSpPr>
+        <p:spPr/>
+        <p:txBody>
+          <a:bodyPr/>
+          <a:lstStyle/>
+          <a:p>
+            <a:r>
+              <a:rPr lang="en-US" altLang="zh-CN" dirty="0"/>
+              <a:t>Error Handling</a:t>
+            </a:r>
+            <a:endParaRPr lang="zh-CN" altLang="en-US" dirty="0"/>
+          </a:p>
+        </p:txBody>
+      </p:sp>
+      <p:sp>
+        <p:nvSpPr>
+          <p:cNvPr id="3" name="内容占位符 2">
+            <a:extLst>
+              <a:ext uri="{FF2B5EF4-FFF2-40B4-BE49-F238E27FC236}">
+                <a16:creationId xmlns:a16="http://schemas.microsoft.com/office/drawing/2014/main" id="{143ACB3F-E067-41EE-ADAC-16C36B81CD79}"/>
+              </a:ext>
+            </a:extLst>
+          </p:cNvPr>
+          <p:cNvSpPr>
+            <a:spLocks noGrp="1"/>
+          </p:cNvSpPr>
+          <p:nvPr>
+            <p:ph idx="1"/>
+          </p:nvPr>
+        </p:nvSpPr>
+        <p:spPr/>
+        <p:txBody>
+          <a:bodyPr>
+            <a:normAutofit/>
+          </a:bodyPr>
+          <a:lstStyle/>
+          <a:p>
+            <a:r>
+              <a:rPr lang="en-US" altLang="zh-CN" sz="2000" dirty="0"/>
+              <a:t>Use Exceptions Rather Than Return Codes</a:t>
+            </a:r>
+          </a:p>
+          <a:p>
+            <a:r>
+              <a:rPr lang="en-US" altLang="zh-CN" sz="2000" dirty="0"/>
+              <a:t>Write Your Try-Catch-Finally Statement First</a:t>
+            </a:r>
+          </a:p>
+          <a:p>
+            <a:r>
+              <a:rPr lang="en-US" altLang="zh-CN" sz="2000" dirty="0"/>
+              <a:t>Use Unchecked Exceptions: checked exception is an Open/Closed Principle violation</a:t>
+            </a:r>
+          </a:p>
+          <a:p>
+            <a:r>
+              <a:rPr lang="en-US" altLang="zh-CN" sz="2000" dirty="0"/>
+              <a:t>Provide Context with Exceptions: source, location and informative error </a:t>
+            </a:r>
+            <a:r>
+              <a:rPr lang="en-US" altLang="zh-CN" sz="2000" dirty="0" err="1"/>
+              <a:t>messasge</a:t>
+            </a:r>
+            <a:endParaRPr lang="en-US" altLang="zh-CN" sz="2000" dirty="0"/>
+          </a:p>
+          <a:p>
+            <a:r>
+              <a:rPr lang="en-US" altLang="zh-CN" sz="2000" dirty="0"/>
+              <a:t>Define Exception Classes in Terms of a Caller’s Needs</a:t>
+            </a:r>
+          </a:p>
+          <a:p>
+            <a:r>
+              <a:rPr lang="en-US" altLang="zh-CN" sz="2000" dirty="0"/>
+              <a:t>Define the Normal Flow   SPECIAL CASE PATTERN</a:t>
+            </a:r>
+          </a:p>
+          <a:p>
+            <a:r>
+              <a:rPr lang="en-US" altLang="zh-CN" sz="2000" dirty="0"/>
+              <a:t>Don’t Return Null   throws an exception or returns a special case object</a:t>
+            </a:r>
+          </a:p>
+          <a:p>
+            <a:r>
+              <a:rPr lang="en-US" altLang="zh-CN" sz="2000" dirty="0"/>
+              <a:t>Don’t </a:t>
+            </a:r>
+            <a:r>
+              <a:rPr lang="en-US" altLang="zh-CN" sz="2000"/>
+              <a:t>Pass Null</a:t>
+            </a:r>
+            <a:endParaRPr lang="zh-CN" altLang="en-US" sz="2000" dirty="0"/>
+          </a:p>
+        </p:txBody>
+      </p:sp>
+    </p:spTree>
+    <p:extLst>
+      <p:ext uri="{BB962C8B-B14F-4D97-AF65-F5344CB8AC3E}">
+        <p14:creationId xmlns:p14="http://schemas.microsoft.com/office/powerpoint/2010/main" val="1588437317"/>
       </p:ext>
     </p:extLst>
   </p:cSld>

--- a/clean-code/clean code - Fu, Biye.pptx
+++ b/clean-code/clean code - Fu, Biye.pptx
@@ -5,17 +5,19 @@
     <p:sldMasterId id="2147483648" r:id="rId1"/>
   </p:sldMasterIdLst>
   <p:notesMasterIdLst>
-    <p:notesMasterId r:id="rId10"/>
+    <p:notesMasterId r:id="rId13"/>
   </p:notesMasterIdLst>
   <p:sldIdLst>
-    <p:sldId id="256" r:id="rId2"/>
-    <p:sldId id="260" r:id="rId3"/>
-    <p:sldId id="261" r:id="rId4"/>
-    <p:sldId id="262" r:id="rId5"/>
-    <p:sldId id="263" r:id="rId6"/>
-    <p:sldId id="264" r:id="rId7"/>
-    <p:sldId id="265" r:id="rId8"/>
-    <p:sldId id="266" r:id="rId9"/>
+    <p:sldId id="256" r:id="rId3"/>
+    <p:sldId id="260" r:id="rId4"/>
+    <p:sldId id="261" r:id="rId5"/>
+    <p:sldId id="262" r:id="rId6"/>
+    <p:sldId id="263" r:id="rId7"/>
+    <p:sldId id="264" r:id="rId8"/>
+    <p:sldId id="265" r:id="rId9"/>
+    <p:sldId id="266" r:id="rId10"/>
+    <p:sldId id="267" r:id="rId11"/>
+    <p:sldId id="268" r:id="rId12"/>
   </p:sldIdLst>
   <p:sldSz cx="12192000" cy="6858000"/>
   <p:notesSz cx="6858000" cy="9144000"/>
@@ -114,11 +116,6 @@
       </a:defRPr>
     </a:lvl9pPr>
   </p:defaultTextStyle>
-  <p:extLst>
-    <p:ext uri="{EFAFB233-063F-42B5-8137-9DF3F51BA10A}">
-      <p15:sldGuideLst xmlns:p15="http://schemas.microsoft.com/office/powerpoint/2012/main"/>
-    </p:ext>
-  </p:extLst>
 </p:presentation>
 </file>
 
@@ -204,7 +201,6 @@
           <a:p>
             <a:fld id="{D2A48B96-639E-45A3-A0BA-2464DFDB1FAA}" type="datetimeFigureOut">
               <a:rPr lang="zh-CN" altLang="en-US" smtClean="0"/>
-              <a:t>2019/8/5</a:t>
             </a:fld>
             <a:endParaRPr lang="zh-CN" altLang="en-US"/>
           </a:p>
@@ -271,6 +267,7 @@
               <a:rPr lang="zh-CN" altLang="en-US"/>
               <a:t>单击此处编辑母版文本样式</a:t>
             </a:r>
+            <a:endParaRPr lang="zh-CN" altLang="en-US"/>
           </a:p>
           <a:p>
             <a:pPr lvl="1"/>
@@ -278,6 +275,7 @@
               <a:rPr lang="zh-CN" altLang="en-US"/>
               <a:t>第二级</a:t>
             </a:r>
+            <a:endParaRPr lang="zh-CN" altLang="en-US"/>
           </a:p>
           <a:p>
             <a:pPr lvl="2"/>
@@ -285,6 +283,7 @@
               <a:rPr lang="zh-CN" altLang="en-US"/>
               <a:t>第三级</a:t>
             </a:r>
+            <a:endParaRPr lang="zh-CN" altLang="en-US"/>
           </a:p>
           <a:p>
             <a:pPr lvl="3"/>
@@ -292,6 +291,7 @@
               <a:rPr lang="zh-CN" altLang="en-US"/>
               <a:t>第四级</a:t>
             </a:r>
+            <a:endParaRPr lang="zh-CN" altLang="en-US"/>
           </a:p>
           <a:p>
             <a:pPr lvl="4"/>
@@ -299,6 +299,7 @@
               <a:rPr lang="zh-CN" altLang="en-US"/>
               <a:t>第五级</a:t>
             </a:r>
+            <a:endParaRPr lang="zh-CN" altLang="en-US"/>
           </a:p>
         </p:txBody>
       </p:sp>
@@ -362,7 +363,6 @@
           <a:p>
             <a:fld id="{A6837353-30EB-4A48-80EB-173D804AEFBD}" type="slidenum">
               <a:rPr lang="zh-CN" altLang="en-US" smtClean="0"/>
-              <a:t>‹#›</a:t>
             </a:fld>
             <a:endParaRPr lang="zh-CN" altLang="en-US"/>
           </a:p>
@@ -537,6 +537,7 @@
               <a:rPr lang="zh-CN" altLang="en-US"/>
               <a:t>单击此处编辑母版标题样式</a:t>
             </a:r>
+            <a:endParaRPr lang="zh-CN" altLang="en-US"/>
           </a:p>
         </p:txBody>
       </p:sp>
@@ -605,6 +606,7 @@
               <a:rPr lang="zh-CN" altLang="en-US"/>
               <a:t>单击此处编辑母版副标题样式</a:t>
             </a:r>
+            <a:endParaRPr lang="zh-CN" altLang="en-US"/>
           </a:p>
         </p:txBody>
       </p:sp>
@@ -633,7 +635,6 @@
           <a:p>
             <a:fld id="{D997B5FA-0921-464F-AAE1-844C04324D75}" type="datetimeFigureOut">
               <a:rPr lang="zh-CN" altLang="en-US" smtClean="0"/>
-              <a:t>2019/8/5</a:t>
             </a:fld>
             <a:endParaRPr lang="zh-CN" altLang="en-US"/>
           </a:p>
@@ -691,7 +692,6 @@
           <a:p>
             <a:fld id="{565CE74E-AB26-4998-AD42-012C4C1AD076}" type="slidenum">
               <a:rPr lang="zh-CN" altLang="en-US" smtClean="0"/>
-              <a:t>‹#›</a:t>
             </a:fld>
             <a:endParaRPr lang="zh-CN" altLang="en-US"/>
           </a:p>
@@ -741,6 +741,7 @@
               <a:rPr lang="zh-CN" altLang="en-US"/>
               <a:t>单击此处编辑母版标题样式</a:t>
             </a:r>
+            <a:endParaRPr lang="zh-CN" altLang="en-US"/>
           </a:p>
         </p:txBody>
       </p:sp>
@@ -764,6 +765,7 @@
               <a:rPr lang="zh-CN" altLang="en-US"/>
               <a:t>单击此处编辑母版文本样式</a:t>
             </a:r>
+            <a:endParaRPr lang="zh-CN" altLang="en-US"/>
           </a:p>
           <a:p>
             <a:pPr lvl="1"/>
@@ -771,6 +773,7 @@
               <a:rPr lang="zh-CN" altLang="en-US"/>
               <a:t>第二级</a:t>
             </a:r>
+            <a:endParaRPr lang="zh-CN" altLang="en-US"/>
           </a:p>
           <a:p>
             <a:pPr lvl="2"/>
@@ -778,6 +781,7 @@
               <a:rPr lang="zh-CN" altLang="en-US"/>
               <a:t>第三级</a:t>
             </a:r>
+            <a:endParaRPr lang="zh-CN" altLang="en-US"/>
           </a:p>
           <a:p>
             <a:pPr lvl="3"/>
@@ -785,6 +789,7 @@
               <a:rPr lang="zh-CN" altLang="en-US"/>
               <a:t>第四级</a:t>
             </a:r>
+            <a:endParaRPr lang="zh-CN" altLang="en-US"/>
           </a:p>
           <a:p>
             <a:pPr lvl="4"/>
@@ -792,6 +797,7 @@
               <a:rPr lang="zh-CN" altLang="en-US"/>
               <a:t>第五级</a:t>
             </a:r>
+            <a:endParaRPr lang="zh-CN" altLang="en-US"/>
           </a:p>
         </p:txBody>
       </p:sp>
@@ -812,7 +818,6 @@
           <a:p>
             <a:fld id="{D997B5FA-0921-464F-AAE1-844C04324D75}" type="datetimeFigureOut">
               <a:rPr lang="zh-CN" altLang="en-US" smtClean="0"/>
-              <a:t>2019/8/5</a:t>
             </a:fld>
             <a:endParaRPr lang="zh-CN" altLang="en-US"/>
           </a:p>
@@ -854,7 +859,6 @@
           <a:p>
             <a:fld id="{565CE74E-AB26-4998-AD42-012C4C1AD076}" type="slidenum">
               <a:rPr lang="zh-CN" altLang="en-US" smtClean="0"/>
-              <a:t>‹#›</a:t>
             </a:fld>
             <a:endParaRPr lang="zh-CN" altLang="en-US"/>
           </a:p>
@@ -909,6 +913,7 @@
               <a:rPr lang="zh-CN" altLang="en-US"/>
               <a:t>单击此处编辑母版标题样式</a:t>
             </a:r>
+            <a:endParaRPr lang="zh-CN" altLang="en-US"/>
           </a:p>
         </p:txBody>
       </p:sp>
@@ -937,6 +942,7 @@
               <a:rPr lang="zh-CN" altLang="en-US"/>
               <a:t>单击此处编辑母版文本样式</a:t>
             </a:r>
+            <a:endParaRPr lang="zh-CN" altLang="en-US"/>
           </a:p>
           <a:p>
             <a:pPr lvl="1"/>
@@ -944,6 +950,7 @@
               <a:rPr lang="zh-CN" altLang="en-US"/>
               <a:t>第二级</a:t>
             </a:r>
+            <a:endParaRPr lang="zh-CN" altLang="en-US"/>
           </a:p>
           <a:p>
             <a:pPr lvl="2"/>
@@ -951,6 +958,7 @@
               <a:rPr lang="zh-CN" altLang="en-US"/>
               <a:t>第三级</a:t>
             </a:r>
+            <a:endParaRPr lang="zh-CN" altLang="en-US"/>
           </a:p>
           <a:p>
             <a:pPr lvl="3"/>
@@ -958,6 +966,7 @@
               <a:rPr lang="zh-CN" altLang="en-US"/>
               <a:t>第四级</a:t>
             </a:r>
+            <a:endParaRPr lang="zh-CN" altLang="en-US"/>
           </a:p>
           <a:p>
             <a:pPr lvl="4"/>
@@ -965,6 +974,7 @@
               <a:rPr lang="zh-CN" altLang="en-US"/>
               <a:t>第五级</a:t>
             </a:r>
+            <a:endParaRPr lang="zh-CN" altLang="en-US"/>
           </a:p>
         </p:txBody>
       </p:sp>
@@ -985,7 +995,6 @@
           <a:p>
             <a:fld id="{D997B5FA-0921-464F-AAE1-844C04324D75}" type="datetimeFigureOut">
               <a:rPr lang="zh-CN" altLang="en-US" smtClean="0"/>
-              <a:t>2019/8/5</a:t>
             </a:fld>
             <a:endParaRPr lang="zh-CN" altLang="en-US"/>
           </a:p>
@@ -1027,7 +1036,6 @@
           <a:p>
             <a:fld id="{565CE74E-AB26-4998-AD42-012C4C1AD076}" type="slidenum">
               <a:rPr lang="zh-CN" altLang="en-US" smtClean="0"/>
-              <a:t>‹#›</a:t>
             </a:fld>
             <a:endParaRPr lang="zh-CN" altLang="en-US"/>
           </a:p>
@@ -1086,6 +1094,7 @@
               <a:rPr lang="zh-CN" altLang="en-US"/>
               <a:t>单击此处编辑母版标题样式</a:t>
             </a:r>
+            <a:endParaRPr lang="zh-CN" altLang="en-US"/>
           </a:p>
         </p:txBody>
       </p:sp>
@@ -1114,6 +1123,7 @@
               <a:rPr lang="zh-CN" altLang="en-US"/>
               <a:t>单击此处编辑母版文本样式</a:t>
             </a:r>
+            <a:endParaRPr lang="zh-CN" altLang="en-US"/>
           </a:p>
           <a:p>
             <a:pPr lvl="1"/>
@@ -1121,6 +1131,7 @@
               <a:rPr lang="zh-CN" altLang="en-US"/>
               <a:t>第二级</a:t>
             </a:r>
+            <a:endParaRPr lang="zh-CN" altLang="en-US"/>
           </a:p>
           <a:p>
             <a:pPr lvl="2"/>
@@ -1128,6 +1139,7 @@
               <a:rPr lang="zh-CN" altLang="en-US"/>
               <a:t>第三级</a:t>
             </a:r>
+            <a:endParaRPr lang="zh-CN" altLang="en-US"/>
           </a:p>
           <a:p>
             <a:pPr lvl="3"/>
@@ -1135,6 +1147,7 @@
               <a:rPr lang="zh-CN" altLang="en-US"/>
               <a:t>第四级</a:t>
             </a:r>
+            <a:endParaRPr lang="zh-CN" altLang="en-US"/>
           </a:p>
           <a:p>
             <a:pPr lvl="4"/>
@@ -1142,6 +1155,7 @@
               <a:rPr lang="zh-CN" altLang="en-US"/>
               <a:t>第五级</a:t>
             </a:r>
+            <a:endParaRPr lang="zh-CN" altLang="en-US"/>
           </a:p>
         </p:txBody>
       </p:sp>
@@ -1162,7 +1176,6 @@
           <a:p>
             <a:fld id="{D997B5FA-0921-464F-AAE1-844C04324D75}" type="datetimeFigureOut">
               <a:rPr lang="zh-CN" altLang="en-US" smtClean="0"/>
-              <a:t>2019/8/5</a:t>
             </a:fld>
             <a:endParaRPr lang="zh-CN" altLang="en-US"/>
           </a:p>
@@ -1204,7 +1217,6 @@
           <a:p>
             <a:fld id="{565CE74E-AB26-4998-AD42-012C4C1AD076}" type="slidenum">
               <a:rPr lang="zh-CN" altLang="en-US" smtClean="0"/>
-              <a:t>‹#›</a:t>
             </a:fld>
             <a:endParaRPr lang="zh-CN" altLang="en-US"/>
           </a:p>
@@ -1309,6 +1321,7 @@
               <a:rPr lang="zh-CN" altLang="en-US"/>
               <a:t>单击此处编辑母版标题样式</a:t>
             </a:r>
+            <a:endParaRPr lang="zh-CN" altLang="en-US"/>
           </a:p>
         </p:txBody>
       </p:sp>
@@ -1428,6 +1441,7 @@
               <a:rPr lang="zh-CN" altLang="en-US"/>
               <a:t>单击此处编辑母版文本样式</a:t>
             </a:r>
+            <a:endParaRPr lang="zh-CN" altLang="en-US"/>
           </a:p>
         </p:txBody>
       </p:sp>
@@ -1448,7 +1462,6 @@
           <a:p>
             <a:fld id="{D997B5FA-0921-464F-AAE1-844C04324D75}" type="datetimeFigureOut">
               <a:rPr lang="zh-CN" altLang="en-US" smtClean="0"/>
-              <a:t>2019/8/5</a:t>
             </a:fld>
             <a:endParaRPr lang="zh-CN" altLang="en-US"/>
           </a:p>
@@ -1490,7 +1503,6 @@
           <a:p>
             <a:fld id="{565CE74E-AB26-4998-AD42-012C4C1AD076}" type="slidenum">
               <a:rPr lang="zh-CN" altLang="en-US" smtClean="0"/>
-              <a:t>‹#›</a:t>
             </a:fld>
             <a:endParaRPr lang="zh-CN" altLang="en-US"/>
           </a:p>
@@ -1540,6 +1552,7 @@
               <a:rPr lang="zh-CN" altLang="en-US"/>
               <a:t>单击此处编辑母版标题样式</a:t>
             </a:r>
+            <a:endParaRPr lang="zh-CN" altLang="en-US"/>
           </a:p>
         </p:txBody>
       </p:sp>
@@ -1568,6 +1581,7 @@
               <a:rPr lang="zh-CN" altLang="en-US"/>
               <a:t>单击此处编辑母版文本样式</a:t>
             </a:r>
+            <a:endParaRPr lang="zh-CN" altLang="en-US"/>
           </a:p>
           <a:p>
             <a:pPr lvl="1"/>
@@ -1575,6 +1589,7 @@
               <a:rPr lang="zh-CN" altLang="en-US"/>
               <a:t>第二级</a:t>
             </a:r>
+            <a:endParaRPr lang="zh-CN" altLang="en-US"/>
           </a:p>
           <a:p>
             <a:pPr lvl="2"/>
@@ -1582,6 +1597,7 @@
               <a:rPr lang="zh-CN" altLang="en-US"/>
               <a:t>第三级</a:t>
             </a:r>
+            <a:endParaRPr lang="zh-CN" altLang="en-US"/>
           </a:p>
           <a:p>
             <a:pPr lvl="3"/>
@@ -1589,6 +1605,7 @@
               <a:rPr lang="zh-CN" altLang="en-US"/>
               <a:t>第四级</a:t>
             </a:r>
+            <a:endParaRPr lang="zh-CN" altLang="en-US"/>
           </a:p>
           <a:p>
             <a:pPr lvl="4"/>
@@ -1596,6 +1613,7 @@
               <a:rPr lang="zh-CN" altLang="en-US"/>
               <a:t>第五级</a:t>
             </a:r>
+            <a:endParaRPr lang="zh-CN" altLang="en-US"/>
           </a:p>
         </p:txBody>
       </p:sp>
@@ -1624,6 +1642,7 @@
               <a:rPr lang="zh-CN" altLang="en-US"/>
               <a:t>单击此处编辑母版文本样式</a:t>
             </a:r>
+            <a:endParaRPr lang="zh-CN" altLang="en-US"/>
           </a:p>
           <a:p>
             <a:pPr lvl="1"/>
@@ -1631,6 +1650,7 @@
               <a:rPr lang="zh-CN" altLang="en-US"/>
               <a:t>第二级</a:t>
             </a:r>
+            <a:endParaRPr lang="zh-CN" altLang="en-US"/>
           </a:p>
           <a:p>
             <a:pPr lvl="2"/>
@@ -1638,6 +1658,7 @@
               <a:rPr lang="zh-CN" altLang="en-US"/>
               <a:t>第三级</a:t>
             </a:r>
+            <a:endParaRPr lang="zh-CN" altLang="en-US"/>
           </a:p>
           <a:p>
             <a:pPr lvl="3"/>
@@ -1645,6 +1666,7 @@
               <a:rPr lang="zh-CN" altLang="en-US"/>
               <a:t>第四级</a:t>
             </a:r>
+            <a:endParaRPr lang="zh-CN" altLang="en-US"/>
           </a:p>
           <a:p>
             <a:pPr lvl="4"/>
@@ -1652,6 +1674,7 @@
               <a:rPr lang="zh-CN" altLang="en-US"/>
               <a:t>第五级</a:t>
             </a:r>
+            <a:endParaRPr lang="zh-CN" altLang="en-US"/>
           </a:p>
         </p:txBody>
       </p:sp>
@@ -1672,7 +1695,6 @@
           <a:p>
             <a:fld id="{D997B5FA-0921-464F-AAE1-844C04324D75}" type="datetimeFigureOut">
               <a:rPr lang="zh-CN" altLang="en-US" smtClean="0"/>
-              <a:t>2019/8/5</a:t>
             </a:fld>
             <a:endParaRPr lang="zh-CN" altLang="en-US"/>
           </a:p>
@@ -1714,7 +1736,6 @@
           <a:p>
             <a:fld id="{565CE74E-AB26-4998-AD42-012C4C1AD076}" type="slidenum">
               <a:rPr lang="zh-CN" altLang="en-US" smtClean="0"/>
-              <a:t>‹#›</a:t>
             </a:fld>
             <a:endParaRPr lang="zh-CN" altLang="en-US"/>
           </a:p>
@@ -1769,6 +1790,7 @@
               <a:rPr lang="zh-CN" altLang="en-US"/>
               <a:t>单击此处编辑母版标题样式</a:t>
             </a:r>
+            <a:endParaRPr lang="zh-CN" altLang="en-US"/>
           </a:p>
         </p:txBody>
       </p:sp>
@@ -1834,6 +1856,7 @@
               <a:rPr lang="zh-CN" altLang="en-US"/>
               <a:t>单击此处编辑母版文本样式</a:t>
             </a:r>
+            <a:endParaRPr lang="zh-CN" altLang="en-US"/>
           </a:p>
         </p:txBody>
       </p:sp>
@@ -1862,6 +1885,7 @@
               <a:rPr lang="zh-CN" altLang="en-US"/>
               <a:t>单击此处编辑母版文本样式</a:t>
             </a:r>
+            <a:endParaRPr lang="zh-CN" altLang="en-US"/>
           </a:p>
           <a:p>
             <a:pPr lvl="1"/>
@@ -1869,6 +1893,7 @@
               <a:rPr lang="zh-CN" altLang="en-US"/>
               <a:t>第二级</a:t>
             </a:r>
+            <a:endParaRPr lang="zh-CN" altLang="en-US"/>
           </a:p>
           <a:p>
             <a:pPr lvl="2"/>
@@ -1876,6 +1901,7 @@
               <a:rPr lang="zh-CN" altLang="en-US"/>
               <a:t>第三级</a:t>
             </a:r>
+            <a:endParaRPr lang="zh-CN" altLang="en-US"/>
           </a:p>
           <a:p>
             <a:pPr lvl="3"/>
@@ -1883,6 +1909,7 @@
               <a:rPr lang="zh-CN" altLang="en-US"/>
               <a:t>第四级</a:t>
             </a:r>
+            <a:endParaRPr lang="zh-CN" altLang="en-US"/>
           </a:p>
           <a:p>
             <a:pPr lvl="4"/>
@@ -1890,6 +1917,7 @@
               <a:rPr lang="zh-CN" altLang="en-US"/>
               <a:t>第五级</a:t>
             </a:r>
+            <a:endParaRPr lang="zh-CN" altLang="en-US"/>
           </a:p>
         </p:txBody>
       </p:sp>
@@ -1955,6 +1983,7 @@
               <a:rPr lang="zh-CN" altLang="en-US"/>
               <a:t>单击此处编辑母版文本样式</a:t>
             </a:r>
+            <a:endParaRPr lang="zh-CN" altLang="en-US"/>
           </a:p>
         </p:txBody>
       </p:sp>
@@ -1983,6 +2012,7 @@
               <a:rPr lang="zh-CN" altLang="en-US"/>
               <a:t>单击此处编辑母版文本样式</a:t>
             </a:r>
+            <a:endParaRPr lang="zh-CN" altLang="en-US"/>
           </a:p>
           <a:p>
             <a:pPr lvl="1"/>
@@ -1990,6 +2020,7 @@
               <a:rPr lang="zh-CN" altLang="en-US"/>
               <a:t>第二级</a:t>
             </a:r>
+            <a:endParaRPr lang="zh-CN" altLang="en-US"/>
           </a:p>
           <a:p>
             <a:pPr lvl="2"/>
@@ -1997,6 +2028,7 @@
               <a:rPr lang="zh-CN" altLang="en-US"/>
               <a:t>第三级</a:t>
             </a:r>
+            <a:endParaRPr lang="zh-CN" altLang="en-US"/>
           </a:p>
           <a:p>
             <a:pPr lvl="3"/>
@@ -2004,6 +2036,7 @@
               <a:rPr lang="zh-CN" altLang="en-US"/>
               <a:t>第四级</a:t>
             </a:r>
+            <a:endParaRPr lang="zh-CN" altLang="en-US"/>
           </a:p>
           <a:p>
             <a:pPr lvl="4"/>
@@ -2011,6 +2044,7 @@
               <a:rPr lang="zh-CN" altLang="en-US"/>
               <a:t>第五级</a:t>
             </a:r>
+            <a:endParaRPr lang="zh-CN" altLang="en-US"/>
           </a:p>
         </p:txBody>
       </p:sp>
@@ -2031,7 +2065,6 @@
           <a:p>
             <a:fld id="{D997B5FA-0921-464F-AAE1-844C04324D75}" type="datetimeFigureOut">
               <a:rPr lang="zh-CN" altLang="en-US" smtClean="0"/>
-              <a:t>2019/8/5</a:t>
             </a:fld>
             <a:endParaRPr lang="zh-CN" altLang="en-US"/>
           </a:p>
@@ -2073,7 +2106,6 @@
           <a:p>
             <a:fld id="{565CE74E-AB26-4998-AD42-012C4C1AD076}" type="slidenum">
               <a:rPr lang="zh-CN" altLang="en-US" smtClean="0"/>
-              <a:t>‹#›</a:t>
             </a:fld>
             <a:endParaRPr lang="zh-CN" altLang="en-US"/>
           </a:p>
@@ -2131,6 +2163,7 @@
               <a:rPr lang="zh-CN" altLang="en-US"/>
               <a:t>单击此处编辑母版标题样式</a:t>
             </a:r>
+            <a:endParaRPr lang="zh-CN" altLang="en-US"/>
           </a:p>
         </p:txBody>
       </p:sp>
@@ -2159,7 +2192,6 @@
           <a:p>
             <a:fld id="{D997B5FA-0921-464F-AAE1-844C04324D75}" type="datetimeFigureOut">
               <a:rPr lang="zh-CN" altLang="en-US" smtClean="0"/>
-              <a:t>2019/8/5</a:t>
             </a:fld>
             <a:endParaRPr lang="zh-CN" altLang="en-US"/>
           </a:p>
@@ -2217,7 +2249,6 @@
           <a:p>
             <a:fld id="{565CE74E-AB26-4998-AD42-012C4C1AD076}" type="slidenum">
               <a:rPr lang="zh-CN" altLang="en-US" smtClean="0"/>
-              <a:t>‹#›</a:t>
             </a:fld>
             <a:endParaRPr lang="zh-CN" altLang="en-US"/>
           </a:p>
@@ -2265,7 +2296,6 @@
           <a:p>
             <a:fld id="{D997B5FA-0921-464F-AAE1-844C04324D75}" type="datetimeFigureOut">
               <a:rPr lang="zh-CN" altLang="en-US" smtClean="0"/>
-              <a:t>2019/8/5</a:t>
             </a:fld>
             <a:endParaRPr lang="zh-CN" altLang="en-US"/>
           </a:p>
@@ -2307,7 +2337,6 @@
           <a:p>
             <a:fld id="{565CE74E-AB26-4998-AD42-012C4C1AD076}" type="slidenum">
               <a:rPr lang="zh-CN" altLang="en-US" smtClean="0"/>
-              <a:t>‹#›</a:t>
             </a:fld>
             <a:endParaRPr lang="zh-CN" altLang="en-US"/>
           </a:p>
@@ -2366,6 +2395,7 @@
               <a:rPr lang="zh-CN" altLang="en-US"/>
               <a:t>单击此处编辑母版标题样式</a:t>
             </a:r>
+            <a:endParaRPr lang="zh-CN" altLang="en-US"/>
           </a:p>
         </p:txBody>
       </p:sp>
@@ -2422,6 +2452,7 @@
               <a:rPr lang="zh-CN" altLang="en-US"/>
               <a:t>单击此处编辑母版文本样式</a:t>
             </a:r>
+            <a:endParaRPr lang="zh-CN" altLang="en-US"/>
           </a:p>
           <a:p>
             <a:pPr lvl="1"/>
@@ -2429,6 +2460,7 @@
               <a:rPr lang="zh-CN" altLang="en-US"/>
               <a:t>第二级</a:t>
             </a:r>
+            <a:endParaRPr lang="zh-CN" altLang="en-US"/>
           </a:p>
           <a:p>
             <a:pPr lvl="2"/>
@@ -2436,6 +2468,7 @@
               <a:rPr lang="zh-CN" altLang="en-US"/>
               <a:t>第三级</a:t>
             </a:r>
+            <a:endParaRPr lang="zh-CN" altLang="en-US"/>
           </a:p>
           <a:p>
             <a:pPr lvl="3"/>
@@ -2443,6 +2476,7 @@
               <a:rPr lang="zh-CN" altLang="en-US"/>
               <a:t>第四级</a:t>
             </a:r>
+            <a:endParaRPr lang="zh-CN" altLang="en-US"/>
           </a:p>
           <a:p>
             <a:pPr lvl="4"/>
@@ -2450,6 +2484,7 @@
               <a:rPr lang="zh-CN" altLang="en-US"/>
               <a:t>第五级</a:t>
             </a:r>
+            <a:endParaRPr lang="zh-CN" altLang="en-US"/>
           </a:p>
         </p:txBody>
       </p:sp>
@@ -2515,6 +2550,7 @@
               <a:rPr lang="zh-CN" altLang="en-US"/>
               <a:t>单击此处编辑母版文本样式</a:t>
             </a:r>
+            <a:endParaRPr lang="zh-CN" altLang="en-US"/>
           </a:p>
         </p:txBody>
       </p:sp>
@@ -2535,7 +2571,6 @@
           <a:p>
             <a:fld id="{D997B5FA-0921-464F-AAE1-844C04324D75}" type="datetimeFigureOut">
               <a:rPr lang="zh-CN" altLang="en-US" smtClean="0"/>
-              <a:t>2019/8/5</a:t>
             </a:fld>
             <a:endParaRPr lang="zh-CN" altLang="en-US"/>
           </a:p>
@@ -2577,7 +2612,6 @@
           <a:p>
             <a:fld id="{565CE74E-AB26-4998-AD42-012C4C1AD076}" type="slidenum">
               <a:rPr lang="zh-CN" altLang="en-US" smtClean="0"/>
-              <a:t>‹#›</a:t>
             </a:fld>
             <a:endParaRPr lang="zh-CN" altLang="en-US"/>
           </a:p>
@@ -2636,6 +2670,7 @@
               <a:rPr lang="zh-CN" altLang="en-US"/>
               <a:t>单击此处编辑母版标题样式</a:t>
             </a:r>
+            <a:endParaRPr lang="zh-CN" altLang="en-US"/>
           </a:p>
         </p:txBody>
       </p:sp>
@@ -2762,6 +2797,7 @@
               <a:rPr lang="zh-CN" altLang="en-US"/>
               <a:t>单击此处编辑母版文本样式</a:t>
             </a:r>
+            <a:endParaRPr lang="zh-CN" altLang="en-US"/>
           </a:p>
         </p:txBody>
       </p:sp>
@@ -2782,7 +2818,6 @@
           <a:p>
             <a:fld id="{D997B5FA-0921-464F-AAE1-844C04324D75}" type="datetimeFigureOut">
               <a:rPr lang="zh-CN" altLang="en-US" smtClean="0"/>
-              <a:t>2019/8/5</a:t>
             </a:fld>
             <a:endParaRPr lang="zh-CN" altLang="en-US"/>
           </a:p>
@@ -2824,7 +2859,6 @@
           <a:p>
             <a:fld id="{565CE74E-AB26-4998-AD42-012C4C1AD076}" type="slidenum">
               <a:rPr lang="zh-CN" altLang="en-US" smtClean="0"/>
-              <a:t>‹#›</a:t>
             </a:fld>
             <a:endParaRPr lang="zh-CN" altLang="en-US"/>
           </a:p>
@@ -2906,6 +2940,7 @@
               <a:rPr lang="zh-CN" altLang="en-US"/>
               <a:t>单击此处编辑母版标题样式</a:t>
             </a:r>
+            <a:endParaRPr lang="zh-CN" altLang="en-US"/>
           </a:p>
         </p:txBody>
       </p:sp>
@@ -2939,6 +2974,7 @@
               <a:rPr lang="zh-CN" altLang="en-US"/>
               <a:t>单击此处编辑母版文本样式</a:t>
             </a:r>
+            <a:endParaRPr lang="zh-CN" altLang="en-US"/>
           </a:p>
           <a:p>
             <a:pPr lvl="1"/>
@@ -2946,6 +2982,7 @@
               <a:rPr lang="zh-CN" altLang="en-US"/>
               <a:t>第二级</a:t>
             </a:r>
+            <a:endParaRPr lang="zh-CN" altLang="en-US"/>
           </a:p>
           <a:p>
             <a:pPr lvl="2"/>
@@ -2953,6 +2990,7 @@
               <a:rPr lang="zh-CN" altLang="en-US"/>
               <a:t>第三级</a:t>
             </a:r>
+            <a:endParaRPr lang="zh-CN" altLang="en-US"/>
           </a:p>
           <a:p>
             <a:pPr lvl="3"/>
@@ -2960,6 +2998,7 @@
               <a:rPr lang="zh-CN" altLang="en-US"/>
               <a:t>第四级</a:t>
             </a:r>
+            <a:endParaRPr lang="zh-CN" altLang="en-US"/>
           </a:p>
           <a:p>
             <a:pPr lvl="4"/>
@@ -2967,6 +3006,7 @@
               <a:rPr lang="zh-CN" altLang="en-US"/>
               <a:t>第五级</a:t>
             </a:r>
+            <a:endParaRPr lang="zh-CN" altLang="en-US"/>
           </a:p>
         </p:txBody>
       </p:sp>
@@ -3003,7 +3043,6 @@
           <a:p>
             <a:fld id="{D997B5FA-0921-464F-AAE1-844C04324D75}" type="datetimeFigureOut">
               <a:rPr lang="zh-CN" altLang="en-US" smtClean="0"/>
-              <a:t>2019/8/5</a:t>
             </a:fld>
             <a:endParaRPr lang="zh-CN" altLang="en-US"/>
           </a:p>
@@ -3077,7 +3116,6 @@
           <a:p>
             <a:fld id="{565CE74E-AB26-4998-AD42-012C4C1AD076}" type="slidenum">
               <a:rPr lang="zh-CN" altLang="en-US" smtClean="0"/>
-              <a:t>‹#›</a:t>
             </a:fld>
             <a:endParaRPr lang="zh-CN" altLang="en-US"/>
           </a:p>
@@ -3447,6 +3485,13 @@
               </a:rPr>
               <a:t>       Clean Code</a:t>
             </a:r>
+            <a:endParaRPr lang="en-US" altLang="zh-CN" b="1" dirty="0">
+              <a:solidFill>
+                <a:schemeClr val="bg1"/>
+              </a:solidFill>
+              <a:latin typeface="Arial Black" panose="020B0A04020102020204" charset="0"/>
+              <a:cs typeface="Arial Black" panose="020B0A04020102020204" charset="0"/>
+            </a:endParaRPr>
           </a:p>
         </p:txBody>
       </p:sp>
@@ -3479,6 +3524,11 @@
               </a:rPr>
               <a:t>Agile Software Craftsmanship</a:t>
             </a:r>
+            <a:endParaRPr lang="en-US" altLang="zh-CN" i="1" dirty="0">
+              <a:solidFill>
+                <a:schemeClr val="bg2"/>
+              </a:solidFill>
+            </a:endParaRPr>
           </a:p>
         </p:txBody>
       </p:sp>
@@ -3512,6 +3562,11 @@
               </a:rPr>
               <a:t>-- Fu, Biye</a:t>
             </a:r>
+            <a:endParaRPr lang="en-US" altLang="zh-CN" i="1">
+              <a:solidFill>
+                <a:schemeClr val="bg2"/>
+              </a:solidFill>
+            </a:endParaRPr>
           </a:p>
         </p:txBody>
       </p:sp>
@@ -3519,6 +3574,154 @@
     <p:custDataLst>
       <p:tags r:id="rId1"/>
     </p:custDataLst>
+  </p:cSld>
+  <p:clrMapOvr>
+    <a:masterClrMapping/>
+  </p:clrMapOvr>
+</p:sld>
+</file>
+
+<file path=ppt/slides/slide10.xml><?xml version="1.0" encoding="utf-8"?>
+<p:sld xmlns:a="http://schemas.openxmlformats.org/drawingml/2006/main" xmlns:r="http://schemas.openxmlformats.org/officeDocument/2006/relationships" xmlns:p="http://schemas.openxmlformats.org/presentationml/2006/main">
+  <p:cSld>
+    <p:spTree>
+      <p:nvGrpSpPr>
+        <p:cNvPr id="1" name=""/>
+        <p:cNvGrpSpPr/>
+        <p:nvPr/>
+      </p:nvGrpSpPr>
+      <p:grpSpPr/>
+      <p:sp>
+        <p:nvSpPr>
+          <p:cNvPr id="2" name="标题 1"/>
+          <p:cNvSpPr>
+            <a:spLocks noGrp="1"/>
+          </p:cNvSpPr>
+          <p:nvPr>
+            <p:ph type="title"/>
+          </p:nvPr>
+        </p:nvSpPr>
+        <p:spPr/>
+        <p:txBody>
+          <a:bodyPr/>
+          <a:p>
+            <a:r>
+              <a:rPr lang="en-US" altLang="zh-CN"/>
+              <a:t>Unit Tests</a:t>
+            </a:r>
+            <a:endParaRPr lang="en-US" altLang="zh-CN"/>
+          </a:p>
+        </p:txBody>
+      </p:sp>
+      <p:sp>
+        <p:nvSpPr>
+          <p:cNvPr id="3" name="内容占位符 2"/>
+          <p:cNvSpPr>
+            <a:spLocks noGrp="1"/>
+          </p:cNvSpPr>
+          <p:nvPr>
+            <p:ph idx="1"/>
+          </p:nvPr>
+        </p:nvSpPr>
+        <p:spPr/>
+        <p:txBody>
+          <a:bodyPr/>
+          <a:p>
+            <a:r>
+              <a:rPr lang="en-US" altLang="zh-CN" sz="2400"/>
+              <a:t>The Three Laws of TDD</a:t>
+            </a:r>
+            <a:endParaRPr lang="en-US" altLang="zh-CN" sz="2400"/>
+          </a:p>
+          <a:p>
+            <a:pPr marL="457200" lvl="1" indent="0">
+              <a:buNone/>
+            </a:pPr>
+            <a:r>
+              <a:rPr lang="en-US" altLang="zh-CN" sz="2000"/>
+              <a:t>1. You may not write production code until you have written a failing unit test</a:t>
+            </a:r>
+            <a:endParaRPr lang="en-US" altLang="zh-CN" sz="2000"/>
+          </a:p>
+          <a:p>
+            <a:pPr marL="457200" lvl="1" indent="0">
+              <a:buNone/>
+            </a:pPr>
+            <a:r>
+              <a:rPr lang="en-US" altLang="zh-CN" sz="2000"/>
+              <a:t>2. You may not write more of a unit test than is sufficient to fail, and not compiliing is failing.</a:t>
+            </a:r>
+            <a:endParaRPr lang="en-US" altLang="zh-CN" sz="2000"/>
+          </a:p>
+          <a:p>
+            <a:pPr marL="457200" lvl="1" indent="0">
+              <a:buNone/>
+            </a:pPr>
+            <a:r>
+              <a:rPr lang="en-US" altLang="zh-CN" sz="2000"/>
+              <a:t>3. You may not write more production code than is sufficient to pass the currently failing test.</a:t>
+            </a:r>
+            <a:endParaRPr lang="en-US" altLang="zh-CN" sz="2000"/>
+          </a:p>
+          <a:p>
+            <a:pPr lvl="0"/>
+            <a:r>
+              <a:rPr lang="en-US" altLang="zh-CN" sz="2400"/>
+              <a:t>Keeping Test Clean</a:t>
+            </a:r>
+            <a:endParaRPr lang="en-US" altLang="zh-CN" sz="2400"/>
+          </a:p>
+          <a:p>
+            <a:pPr lvl="1"/>
+            <a:r>
+              <a:rPr lang="en-US" altLang="zh-CN" sz="2055"/>
+              <a:t>It is unit tests that keep our code flexible, maintainable, and reusable</a:t>
+            </a:r>
+            <a:endParaRPr lang="en-US" altLang="zh-CN" sz="2055"/>
+          </a:p>
+          <a:p>
+            <a:pPr lvl="0"/>
+            <a:r>
+              <a:rPr lang="en-US" altLang="zh-CN" sz="2395"/>
+              <a:t>Clean Tests</a:t>
+            </a:r>
+            <a:endParaRPr lang="en-US" altLang="zh-CN" sz="2395"/>
+          </a:p>
+          <a:p>
+            <a:pPr lvl="1"/>
+            <a:r>
+              <a:rPr lang="en-US" altLang="zh-CN" sz="2050"/>
+              <a:t>Core: </a:t>
+            </a:r>
+            <a:r>
+              <a:rPr lang="en-US" altLang="zh-CN" sz="2050" b="1"/>
+              <a:t>Readablility,   </a:t>
+            </a:r>
+            <a:r>
+              <a:rPr lang="en-US" altLang="zh-CN" sz="2050"/>
+              <a:t>BULID-OPERATE-CHECK pattern</a:t>
+            </a:r>
+            <a:endParaRPr lang="en-US" altLang="zh-CN" sz="2050"/>
+          </a:p>
+          <a:p>
+            <a:pPr lvl="1"/>
+            <a:r>
+              <a:rPr lang="en-US" altLang="zh-CN" sz="2050"/>
+              <a:t>Domain-Specific Testing Language</a:t>
+            </a:r>
+            <a:endParaRPr lang="en-US" altLang="zh-CN" sz="2050"/>
+          </a:p>
+          <a:p>
+            <a:pPr lvl="1"/>
+            <a:r>
+              <a:rPr lang="en-US" altLang="zh-CN" sz="2050"/>
+              <a:t>A Dual Standard: could be worse than production code.</a:t>
+            </a:r>
+            <a:endParaRPr lang="en-US" altLang="zh-CN" sz="2050"/>
+          </a:p>
+        </p:txBody>
+      </p:sp>
+    </p:spTree>
   </p:cSld>
   <p:clrMapOvr>
     <a:masterClrMapping/>
@@ -3562,6 +3765,7 @@
               <a:rPr lang="en-US" altLang="zh-CN" b="1"/>
               <a:t>Contents</a:t>
             </a:r>
+            <a:endParaRPr lang="en-US" altLang="zh-CN" b="1"/>
           </a:p>
         </p:txBody>
       </p:sp>
@@ -3584,18 +3788,21 @@
               <a:rPr lang="en-US" altLang="zh-CN"/>
               <a:t>Clean code</a:t>
             </a:r>
+            <a:endParaRPr lang="en-US" altLang="zh-CN"/>
           </a:p>
           <a:p>
             <a:r>
               <a:rPr lang="en-US" altLang="zh-CN"/>
               <a:t>Test</a:t>
             </a:r>
+            <a:endParaRPr lang="en-US" altLang="zh-CN"/>
           </a:p>
           <a:p>
             <a:r>
               <a:rPr lang="en-US" altLang="zh-CN"/>
               <a:t>Principles and Patterns</a:t>
             </a:r>
+            <a:endParaRPr lang="en-US" altLang="zh-CN"/>
           </a:p>
           <a:p>
             <a:pPr lvl="1"/>
@@ -3603,6 +3810,7 @@
               <a:rPr lang="en-US" altLang="zh-CN" sz="2400"/>
               <a:t>Lines and blocks</a:t>
             </a:r>
+            <a:endParaRPr lang="en-US" altLang="zh-CN" sz="2400"/>
           </a:p>
           <a:p>
             <a:pPr lvl="1"/>
@@ -3617,6 +3825,7 @@
               <a:rPr lang="en-US" altLang="zh-CN"/>
               <a:t>Smells and Heuristics</a:t>
             </a:r>
+            <a:endParaRPr lang="en-US" altLang="zh-CN"/>
           </a:p>
         </p:txBody>
       </p:sp>
@@ -3668,6 +3877,11 @@
               </a:rPr>
               <a:t>Clean Code</a:t>
             </a:r>
+            <a:endParaRPr lang="en-US" altLang="zh-CN">
+              <a:solidFill>
+                <a:schemeClr val="bg1"/>
+              </a:solidFill>
+            </a:endParaRPr>
           </a:p>
         </p:txBody>
       </p:sp>
@@ -3680,7 +3894,7 @@
           <p:nvPr/>
         </p:nvPicPr>
         <p:blipFill>
-          <a:blip r:embed="rId2"/>
+          <a:blip r:embed="rId1"/>
           <a:stretch>
             <a:fillRect/>
           </a:stretch>
@@ -3706,7 +3920,7 @@
           </p:nvPr>
         </p:nvPicPr>
         <p:blipFill>
-          <a:blip r:embed="rId3"/>
+          <a:blip r:embed="rId2"/>
           <a:stretch>
             <a:fillRect/>
           </a:stretch>
@@ -3755,6 +3969,11 @@
               </a:rPr>
               <a:t>Views of tech expert:</a:t>
             </a:r>
+            <a:endParaRPr lang="en-US" altLang="zh-CN" b="1">
+              <a:solidFill>
+                <a:schemeClr val="bg1"/>
+              </a:solidFill>
+            </a:endParaRPr>
           </a:p>
           <a:p>
             <a:pPr indent="0">
@@ -3804,6 +4023,11 @@
               </a:rPr>
               <a:t>fficient</a:t>
             </a:r>
+            <a:endParaRPr lang="zh-CN" altLang="en-US">
+              <a:solidFill>
+                <a:schemeClr val="bg1"/>
+              </a:solidFill>
+            </a:endParaRPr>
           </a:p>
           <a:p>
             <a:pPr marL="285750" indent="-285750">
@@ -3818,6 +4042,11 @@
               </a:rPr>
               <a:t>Readability</a:t>
             </a:r>
+            <a:endParaRPr lang="zh-CN" altLang="en-US">
+              <a:solidFill>
+                <a:schemeClr val="bg1"/>
+              </a:solidFill>
+            </a:endParaRPr>
           </a:p>
           <a:p>
             <a:pPr marL="285750" indent="-285750">
@@ -3832,6 +4061,11 @@
               </a:rPr>
               <a:t>Easy for other people to enhance it</a:t>
             </a:r>
+            <a:endParaRPr lang="zh-CN" altLang="en-US">
+              <a:solidFill>
+                <a:schemeClr val="bg1"/>
+              </a:solidFill>
+            </a:endParaRPr>
           </a:p>
           <a:p>
             <a:pPr marL="285750" indent="-285750">
@@ -3846,6 +4080,11 @@
               </a:rPr>
               <a:t>Test</a:t>
             </a:r>
+            <a:endParaRPr lang="en-US" altLang="zh-CN">
+              <a:solidFill>
+                <a:schemeClr val="bg1"/>
+              </a:solidFill>
+            </a:endParaRPr>
           </a:p>
           <a:p>
             <a:pPr marL="285750" indent="-285750">
@@ -3860,6 +4099,11 @@
               </a:rPr>
               <a:t>No duplication</a:t>
             </a:r>
+            <a:endParaRPr lang="en-US" altLang="zh-CN">
+              <a:solidFill>
+                <a:schemeClr val="bg1"/>
+              </a:solidFill>
+            </a:endParaRPr>
           </a:p>
           <a:p>
             <a:pPr marL="285750" indent="-285750">
@@ -3874,6 +4118,11 @@
               </a:rPr>
               <a:t>Do one thing</a:t>
             </a:r>
+            <a:endParaRPr lang="en-US" altLang="zh-CN">
+              <a:solidFill>
+                <a:schemeClr val="bg1"/>
+              </a:solidFill>
+            </a:endParaRPr>
           </a:p>
           <a:p>
             <a:pPr marL="285750" indent="-285750">
@@ -3888,6 +4137,11 @@
               </a:rPr>
               <a:t>Expressiveness</a:t>
             </a:r>
+            <a:endParaRPr lang="en-US" altLang="zh-CN">
+              <a:solidFill>
+                <a:schemeClr val="bg1"/>
+              </a:solidFill>
+            </a:endParaRPr>
           </a:p>
           <a:p>
             <a:pPr marL="285750" indent="-285750">
@@ -3902,6 +4156,11 @@
               </a:rPr>
               <a:t>Tiny abstractions</a:t>
             </a:r>
+            <a:endParaRPr lang="en-US" altLang="zh-CN">
+              <a:solidFill>
+                <a:schemeClr val="bg1"/>
+              </a:solidFill>
+            </a:endParaRPr>
           </a:p>
         </p:txBody>
       </p:sp>
@@ -3950,6 +4209,11 @@
                 </a:rPr>
                 <a:t>The Boy Scout Rule</a:t>
               </a:r>
+              <a:endParaRPr lang="en-US" altLang="zh-CN" b="1">
+                <a:solidFill>
+                  <a:schemeClr val="bg1"/>
+                </a:solidFill>
+              </a:endParaRPr>
             </a:p>
           </p:txBody>
         </p:sp>
@@ -3983,6 +4247,11 @@
                 </a:rPr>
                 <a:t>Leave the campground cleaner than you found it.</a:t>
               </a:r>
+              <a:endParaRPr lang="zh-CN" altLang="en-US">
+                <a:solidFill>
+                  <a:schemeClr val="bg1"/>
+                </a:solidFill>
+              </a:endParaRPr>
             </a:p>
           </p:txBody>
         </p:sp>
@@ -4014,13 +4283,7 @@
       </p:grpSpPr>
       <p:sp>
         <p:nvSpPr>
-          <p:cNvPr id="2" name="标题 1">
-            <a:extLst>
-              <a:ext uri="{FF2B5EF4-FFF2-40B4-BE49-F238E27FC236}">
-                <a16:creationId xmlns:a16="http://schemas.microsoft.com/office/drawing/2014/main" id="{23AB0055-715C-4A43-B966-36131043AF83}"/>
-              </a:ext>
-            </a:extLst>
-          </p:cNvPr>
+          <p:cNvPr id="2" name="标题 1"/>
           <p:cNvSpPr>
             <a:spLocks noGrp="1"/>
           </p:cNvSpPr>
@@ -4043,13 +4306,7 @@
       </p:sp>
       <p:sp>
         <p:nvSpPr>
-          <p:cNvPr id="3" name="内容占位符 2">
-            <a:extLst>
-              <a:ext uri="{FF2B5EF4-FFF2-40B4-BE49-F238E27FC236}">
-                <a16:creationId xmlns:a16="http://schemas.microsoft.com/office/drawing/2014/main" id="{75FE3406-1FDA-47CF-952E-E7A86FF06346}"/>
-              </a:ext>
-            </a:extLst>
-          </p:cNvPr>
+          <p:cNvPr id="3" name="内容占位符 2"/>
           <p:cNvSpPr>
             <a:spLocks noGrp="1"/>
           </p:cNvSpPr>
@@ -4079,6 +4336,7 @@
               <a:rPr lang="en-US" altLang="zh-CN" sz="1600" dirty="0"/>
               <a:t>Make Meaningful Distinctions </a:t>
             </a:r>
+            <a:endParaRPr lang="en-US" altLang="zh-CN" sz="1600" dirty="0"/>
           </a:p>
           <a:p>
             <a:pPr lvl="1"/>
@@ -4094,6 +4352,7 @@
               <a:rPr lang="en-US" altLang="zh-CN" sz="1200" dirty="0"/>
               <a:t>(char a1[], char a2[])   =&gt;   (source, destination)</a:t>
             </a:r>
+            <a:endParaRPr lang="en-US" altLang="zh-CN" sz="1200" dirty="0"/>
           </a:p>
           <a:p>
             <a:pPr lvl="1"/>
@@ -4117,6 +4376,7 @@
               <a:rPr lang="en-US" altLang="zh-CN" sz="1200" dirty="0"/>
               <a:t> , Info and Data   =&gt;  indistinct noise words</a:t>
             </a:r>
+            <a:endParaRPr lang="en-US" altLang="zh-CN" sz="1200" dirty="0"/>
           </a:p>
           <a:p>
             <a:r>
@@ -4142,12 +4402,14 @@
               <a:rPr lang="en-US" altLang="zh-CN" sz="1600" dirty="0"/>
               <a:t>Use Searchable Names         single-letter names,  numeric constants</a:t>
             </a:r>
+            <a:endParaRPr lang="en-US" altLang="zh-CN" sz="1600" dirty="0"/>
           </a:p>
           <a:p>
             <a:r>
               <a:rPr lang="en-US" altLang="zh-CN" sz="1600" dirty="0"/>
               <a:t>Avoid Encodings</a:t>
             </a:r>
+            <a:endParaRPr lang="en-US" altLang="zh-CN" sz="1600" dirty="0"/>
           </a:p>
           <a:p>
             <a:pPr lvl="1"/>
@@ -4206,6 +4468,7 @@
               <a:rPr lang="en-US" altLang="zh-CN" sz="1600" dirty="0"/>
               <a:t>Class Name should have noun or noun phrase,  Method Names should have verb or verb phrase</a:t>
             </a:r>
+            <a:endParaRPr lang="en-US" altLang="zh-CN" sz="1600" dirty="0"/>
           </a:p>
           <a:p>
             <a:r>
@@ -4231,12 +4494,14 @@
               <a:rPr lang="en-US" altLang="zh-CN" sz="1600" dirty="0"/>
               <a:t>Don’t Pun  avoid using the same word for two purposes</a:t>
             </a:r>
+            <a:endParaRPr lang="en-US" altLang="zh-CN" sz="1600" dirty="0"/>
           </a:p>
           <a:p>
             <a:r>
               <a:rPr lang="en-US" altLang="zh-CN" sz="1600" dirty="0"/>
               <a:t>Use Solution Domain Names:   algorithm names, pattern names, math terms</a:t>
             </a:r>
+            <a:endParaRPr lang="en-US" altLang="zh-CN" sz="1600" dirty="0"/>
           </a:p>
           <a:p>
             <a:r>
@@ -4252,11 +4517,6 @@
         </p:txBody>
       </p:sp>
     </p:spTree>
-    <p:extLst>
-      <p:ext uri="{BB962C8B-B14F-4D97-AF65-F5344CB8AC3E}">
-        <p14:creationId xmlns:p14="http://schemas.microsoft.com/office/powerpoint/2010/main" val="222423541"/>
-      </p:ext>
-    </p:extLst>
   </p:cSld>
   <p:clrMapOvr>
     <a:masterClrMapping/>
@@ -4283,13 +4543,7 @@
       </p:grpSpPr>
       <p:sp>
         <p:nvSpPr>
-          <p:cNvPr id="2" name="标题 1">
-            <a:extLst>
-              <a:ext uri="{FF2B5EF4-FFF2-40B4-BE49-F238E27FC236}">
-                <a16:creationId xmlns:a16="http://schemas.microsoft.com/office/drawing/2014/main" id="{F0A2BCE9-ABCC-4343-900C-74C7DD181897}"/>
-              </a:ext>
-            </a:extLst>
-          </p:cNvPr>
+          <p:cNvPr id="2" name="标题 1"/>
           <p:cNvSpPr>
             <a:spLocks noGrp="1"/>
           </p:cNvSpPr>
@@ -4312,13 +4566,7 @@
       </p:sp>
       <p:sp>
         <p:nvSpPr>
-          <p:cNvPr id="3" name="内容占位符 2">
-            <a:extLst>
-              <a:ext uri="{FF2B5EF4-FFF2-40B4-BE49-F238E27FC236}">
-                <a16:creationId xmlns:a16="http://schemas.microsoft.com/office/drawing/2014/main" id="{EBD4D81D-13E8-4ECA-9124-165C32B28E34}"/>
-              </a:ext>
-            </a:extLst>
-          </p:cNvPr>
+          <p:cNvPr id="3" name="内容占位符 2"/>
           <p:cNvSpPr>
             <a:spLocks noGrp="1"/>
           </p:cNvSpPr>
@@ -4337,18 +4585,21 @@
               <a:rPr lang="en-US" altLang="zh-CN" sz="1600" dirty="0"/>
               <a:t>Small   &lt; 100 lines   (~ 20 lines)</a:t>
             </a:r>
+            <a:endParaRPr lang="en-US" altLang="zh-CN" sz="1600" dirty="0"/>
           </a:p>
           <a:p>
             <a:r>
               <a:rPr lang="en-US" altLang="zh-CN" sz="1600" dirty="0"/>
               <a:t>Do One Thing: FUNCTIONS SHOULD  DO ONE THING. THEY SHOULD DO IT WELL. THEY SHOULD DO IT ONLY</a:t>
             </a:r>
+            <a:endParaRPr lang="en-US" altLang="zh-CN" sz="1600" dirty="0"/>
           </a:p>
           <a:p>
             <a:r>
               <a:rPr lang="en-US" altLang="zh-CN" sz="1600" dirty="0"/>
               <a:t>One Level of Abstraction per Function</a:t>
             </a:r>
+            <a:endParaRPr lang="en-US" altLang="zh-CN" sz="1600" dirty="0"/>
           </a:p>
           <a:p>
             <a:r>
@@ -4359,6 +4610,7 @@
               <a:rPr lang="en-US" altLang="zh-CN" sz="1600" i="1" dirty="0"/>
               <a:t>The Stepdown Rule</a:t>
             </a:r>
+            <a:endParaRPr lang="en-US" altLang="zh-CN" sz="1600" i="1" dirty="0"/>
           </a:p>
           <a:p>
             <a:r>
@@ -4376,6 +4628,7 @@
               <a:rPr lang="en-US" altLang="zh-CN" sz="1600" dirty="0"/>
               <a:t>Arguments</a:t>
             </a:r>
+            <a:endParaRPr lang="en-US" altLang="zh-CN" sz="1600" dirty="0"/>
           </a:p>
           <a:p>
             <a:pPr lvl="1"/>
@@ -4383,6 +4636,7 @@
               <a:rPr lang="en-US" altLang="zh-CN" sz="1200" dirty="0"/>
               <a:t>Number:  0 &gt; 1 &gt; 2 &gt; 3</a:t>
             </a:r>
+            <a:endParaRPr lang="en-US" altLang="zh-CN" sz="1200" dirty="0"/>
           </a:p>
           <a:p>
             <a:pPr lvl="1"/>
@@ -4390,6 +4644,7 @@
               <a:rPr lang="en-US" altLang="zh-CN" sz="1200" dirty="0"/>
               <a:t>Avoids: Output Argument,  Flag Arguments</a:t>
             </a:r>
+            <a:endParaRPr lang="en-US" altLang="zh-CN" sz="1200" dirty="0"/>
           </a:p>
           <a:p>
             <a:pPr lvl="1"/>
@@ -4397,24 +4652,28 @@
               <a:rPr lang="en-US" altLang="zh-CN" sz="1200" dirty="0"/>
               <a:t>Using: Argument Objects, Argument List, Verbs and Keywords</a:t>
             </a:r>
+            <a:endParaRPr lang="en-US" altLang="zh-CN" sz="1200" dirty="0"/>
           </a:p>
           <a:p>
             <a:r>
               <a:rPr lang="en-US" altLang="zh-CN" sz="1600" dirty="0"/>
               <a:t>Have No Side Effects</a:t>
             </a:r>
+            <a:endParaRPr lang="en-US" altLang="zh-CN" sz="1600" dirty="0"/>
           </a:p>
           <a:p>
             <a:r>
               <a:rPr lang="en-US" altLang="zh-CN" sz="1600" dirty="0"/>
               <a:t>Command Query Separation</a:t>
             </a:r>
+            <a:endParaRPr lang="en-US" altLang="zh-CN" sz="1600" dirty="0"/>
           </a:p>
           <a:p>
             <a:r>
               <a:rPr lang="en-US" altLang="zh-CN" sz="1600" dirty="0"/>
               <a:t>Prefer Exceptions to Returning Error Codes</a:t>
             </a:r>
+            <a:endParaRPr lang="en-US" altLang="zh-CN" sz="1600" dirty="0"/>
           </a:p>
           <a:p>
             <a:pPr lvl="1"/>
@@ -4422,6 +4681,7 @@
               <a:rPr lang="en-US" altLang="zh-CN" sz="1200" dirty="0"/>
               <a:t>Extract Try/Catch Blocks</a:t>
             </a:r>
+            <a:endParaRPr lang="en-US" altLang="zh-CN" sz="1200" dirty="0"/>
           </a:p>
           <a:p>
             <a:pPr lvl="1"/>
@@ -4429,21 +4689,18 @@
               <a:rPr lang="en-US" altLang="zh-CN" sz="1200" dirty="0"/>
               <a:t>Error handling Is One Thing</a:t>
             </a:r>
+            <a:endParaRPr lang="en-US" altLang="zh-CN" sz="1200" dirty="0"/>
           </a:p>
           <a:p>
             <a:r>
               <a:rPr lang="en-US" altLang="zh-CN" sz="1600" dirty="0"/>
               <a:t>Don’t Repeat Yourself</a:t>
             </a:r>
+            <a:endParaRPr lang="en-US" altLang="zh-CN" sz="1600" dirty="0"/>
           </a:p>
         </p:txBody>
       </p:sp>
     </p:spTree>
-    <p:extLst>
-      <p:ext uri="{BB962C8B-B14F-4D97-AF65-F5344CB8AC3E}">
-        <p14:creationId xmlns:p14="http://schemas.microsoft.com/office/powerpoint/2010/main" val="3231922592"/>
-      </p:ext>
-    </p:extLst>
   </p:cSld>
   <p:clrMapOvr>
     <a:masterClrMapping/>
@@ -4470,13 +4727,7 @@
       </p:grpSpPr>
       <p:sp>
         <p:nvSpPr>
-          <p:cNvPr id="2" name="标题 1">
-            <a:extLst>
-              <a:ext uri="{FF2B5EF4-FFF2-40B4-BE49-F238E27FC236}">
-                <a16:creationId xmlns:a16="http://schemas.microsoft.com/office/drawing/2014/main" id="{505F3199-534B-438D-A69C-AF7630696128}"/>
-              </a:ext>
-            </a:extLst>
-          </p:cNvPr>
+          <p:cNvPr id="2" name="标题 1"/>
           <p:cNvSpPr>
             <a:spLocks noGrp="1"/>
           </p:cNvSpPr>
@@ -4499,13 +4750,7 @@
       </p:sp>
       <p:sp>
         <p:nvSpPr>
-          <p:cNvPr id="3" name="内容占位符 2">
-            <a:extLst>
-              <a:ext uri="{FF2B5EF4-FFF2-40B4-BE49-F238E27FC236}">
-                <a16:creationId xmlns:a16="http://schemas.microsoft.com/office/drawing/2014/main" id="{7F5A0112-C878-40AA-A567-161DD40BE92C}"/>
-              </a:ext>
-            </a:extLst>
-          </p:cNvPr>
+          <p:cNvPr id="3" name="内容占位符 2"/>
           <p:cNvSpPr>
             <a:spLocks noGrp="1"/>
           </p:cNvSpPr>
@@ -4524,6 +4769,7 @@
               <a:rPr lang="en-US" altLang="zh-CN" sz="1800" dirty="0"/>
               <a:t>Vertical Formatting</a:t>
             </a:r>
+            <a:endParaRPr lang="en-US" altLang="zh-CN" sz="1800" dirty="0"/>
           </a:p>
           <a:p>
             <a:pPr lvl="1"/>
@@ -4531,6 +4777,7 @@
               <a:rPr lang="en-US" altLang="zh-CN" sz="1600" dirty="0"/>
               <a:t>The Newspaper Metaphor</a:t>
             </a:r>
+            <a:endParaRPr lang="en-US" altLang="zh-CN" sz="1600" dirty="0"/>
           </a:p>
           <a:p>
             <a:pPr marL="457200" lvl="1" indent="0">
@@ -4540,6 +4787,7 @@
               <a:rPr lang="en-US" altLang="zh-CN" sz="1600" dirty="0"/>
               <a:t>     High level concept and algorithms at top most</a:t>
             </a:r>
+            <a:endParaRPr lang="en-US" altLang="zh-CN" sz="1600" dirty="0"/>
           </a:p>
           <a:p>
             <a:pPr marL="457200" lvl="1" indent="0">
@@ -4549,6 +4797,7 @@
               <a:rPr lang="en-US" altLang="zh-CN" sz="1600" dirty="0"/>
               <a:t>     Details should increase as we move downward</a:t>
             </a:r>
+            <a:endParaRPr lang="en-US" altLang="zh-CN" sz="1600" dirty="0"/>
           </a:p>
           <a:p>
             <a:pPr lvl="1"/>
@@ -4556,6 +4805,7 @@
               <a:rPr lang="en-US" altLang="zh-CN" sz="1600" dirty="0"/>
               <a:t>Vertical Distance: Concepts that are closely related should be kept vertically close to each other</a:t>
             </a:r>
+            <a:endParaRPr lang="en-US" altLang="zh-CN" sz="1600" dirty="0"/>
           </a:p>
           <a:p>
             <a:pPr lvl="2"/>
@@ -4563,6 +4813,7 @@
               <a:rPr lang="en-US" altLang="zh-CN" sz="1200" dirty="0"/>
               <a:t>Variable Declarations:  Should be declared as close to their usage as possible</a:t>
             </a:r>
+            <a:endParaRPr lang="en-US" altLang="zh-CN" sz="1200" dirty="0"/>
           </a:p>
           <a:p>
             <a:pPr lvl="2"/>
@@ -4574,6 +4825,7 @@
               <a:rPr lang="en-US" altLang="zh-CN" sz="1200" i="1" dirty="0"/>
               <a:t> In a well-designed class , they are used by many</a:t>
             </a:r>
+            <a:endParaRPr lang="en-US" altLang="zh-CN" sz="1200" i="1" dirty="0"/>
           </a:p>
           <a:p>
             <a:pPr lvl="2"/>
@@ -4592,6 +4844,7 @@
               <a:rPr lang="en-US" altLang="zh-CN" sz="2000" dirty="0"/>
               <a:t>Horizontal Formatting</a:t>
             </a:r>
+            <a:endParaRPr lang="en-US" altLang="zh-CN" sz="2000" dirty="0"/>
           </a:p>
           <a:p>
             <a:pPr lvl="1"/>
@@ -4607,6 +4860,7 @@
               <a:rPr lang="en-US" altLang="zh-CN" sz="1600" dirty="0"/>
               <a:t>.</a:t>
             </a:r>
+            <a:endParaRPr lang="en-US" altLang="zh-CN" sz="1600" dirty="0"/>
           </a:p>
           <a:p>
             <a:pPr lvl="1"/>
@@ -4624,6 +4878,7 @@
               <a:rPr lang="en-US" altLang="zh-CN" sz="3200" b="1" dirty="0"/>
               <a:t>DON’T FORMAT WHOLE FILE!!!  </a:t>
             </a:r>
+            <a:endParaRPr lang="en-US" altLang="zh-CN" sz="3200" b="1" dirty="0"/>
           </a:p>
           <a:p>
             <a:pPr marL="0" indent="0">
@@ -4633,15 +4888,11 @@
               <a:rPr lang="en-US" altLang="zh-CN" sz="3200" b="1" dirty="0"/>
               <a:t>ONLY FORMAT MODIFIED PART!!!</a:t>
             </a:r>
+            <a:endParaRPr lang="en-US" altLang="zh-CN" sz="3200" b="1" dirty="0"/>
           </a:p>
         </p:txBody>
       </p:sp>
     </p:spTree>
-    <p:extLst>
-      <p:ext uri="{BB962C8B-B14F-4D97-AF65-F5344CB8AC3E}">
-        <p14:creationId xmlns:p14="http://schemas.microsoft.com/office/powerpoint/2010/main" val="3483766529"/>
-      </p:ext>
-    </p:extLst>
   </p:cSld>
   <p:clrMapOvr>
     <a:masterClrMapping/>
@@ -4668,13 +4919,7 @@
       </p:grpSpPr>
       <p:sp>
         <p:nvSpPr>
-          <p:cNvPr id="2" name="标题 1">
-            <a:extLst>
-              <a:ext uri="{FF2B5EF4-FFF2-40B4-BE49-F238E27FC236}">
-                <a16:creationId xmlns:a16="http://schemas.microsoft.com/office/drawing/2014/main" id="{BCF153A1-B9D9-4A60-8692-2BFBC732173F}"/>
-              </a:ext>
-            </a:extLst>
-          </p:cNvPr>
+          <p:cNvPr id="2" name="标题 1"/>
           <p:cNvSpPr>
             <a:spLocks noGrp="1"/>
           </p:cNvSpPr>
@@ -4697,13 +4942,7 @@
       </p:sp>
       <p:sp>
         <p:nvSpPr>
-          <p:cNvPr id="3" name="内容占位符 2">
-            <a:extLst>
-              <a:ext uri="{FF2B5EF4-FFF2-40B4-BE49-F238E27FC236}">
-                <a16:creationId xmlns:a16="http://schemas.microsoft.com/office/drawing/2014/main" id="{C2E6B044-98B8-420E-B5D4-563B6E6ADBBE}"/>
-              </a:ext>
-            </a:extLst>
-          </p:cNvPr>
+          <p:cNvPr id="3" name="内容占位符 2"/>
           <p:cNvSpPr>
             <a:spLocks noGrp="1"/>
           </p:cNvSpPr>
@@ -4722,12 +4961,14 @@
               <a:rPr lang="en-US" altLang="zh-CN" sz="2000" dirty="0"/>
               <a:t>Data Abstraction   Hiding implementation</a:t>
             </a:r>
+            <a:endParaRPr lang="en-US" altLang="zh-CN" sz="2000" dirty="0"/>
           </a:p>
           <a:p>
             <a:r>
               <a:rPr lang="en-US" altLang="zh-CN" sz="2000" dirty="0"/>
               <a:t>Data/Object Anti-Symmetry</a:t>
             </a:r>
+            <a:endParaRPr lang="en-US" altLang="zh-CN" sz="2000" dirty="0"/>
           </a:p>
           <a:p>
             <a:pPr lvl="1"/>
@@ -4735,6 +4976,7 @@
               <a:rPr lang="en-US" altLang="zh-CN" sz="1800" dirty="0"/>
               <a:t>Objects: hide their data  and expose functions</a:t>
             </a:r>
+            <a:endParaRPr lang="en-US" altLang="zh-CN" sz="1800" dirty="0"/>
           </a:p>
           <a:p>
             <a:pPr lvl="1"/>
@@ -4742,12 +4984,14 @@
               <a:rPr lang="en-US" altLang="zh-CN" sz="1800" dirty="0"/>
               <a:t>Data structure: expose their data and no meaningful functions</a:t>
             </a:r>
+            <a:endParaRPr lang="en-US" altLang="zh-CN" sz="1800" dirty="0"/>
           </a:p>
           <a:p>
             <a:r>
               <a:rPr lang="en-US" altLang="zh-CN" sz="2200" dirty="0"/>
               <a:t>The Law of Demeter</a:t>
             </a:r>
+            <a:endParaRPr lang="en-US" altLang="zh-CN" sz="2200" dirty="0"/>
           </a:p>
           <a:p>
             <a:pPr marL="457200" lvl="1" indent="0">
@@ -4757,6 +5001,7 @@
               <a:rPr lang="en-US" altLang="zh-CN" sz="1800" dirty="0"/>
               <a:t>A module should not know about the innards of the objects</a:t>
             </a:r>
+            <a:endParaRPr lang="en-US" altLang="zh-CN" sz="1800" dirty="0"/>
           </a:p>
           <a:p>
             <a:pPr lvl="1"/>
@@ -4820,6 +5065,7 @@
               <a:rPr lang="en-US" altLang="zh-CN" sz="1800" dirty="0"/>
               <a:t>();</a:t>
             </a:r>
+            <a:endParaRPr lang="en-US" altLang="zh-CN" sz="1800" dirty="0"/>
           </a:p>
           <a:p>
             <a:pPr lvl="1"/>
@@ -4827,6 +5073,7 @@
               <a:rPr lang="en-US" altLang="zh-CN" sz="1800" dirty="0"/>
               <a:t>Hybrids  should be avoided when creating </a:t>
             </a:r>
+            <a:endParaRPr lang="en-US" altLang="zh-CN" sz="1800" dirty="0"/>
           </a:p>
           <a:p>
             <a:pPr lvl="1"/>
@@ -4850,6 +5097,7 @@
               <a:rPr lang="en-US" altLang="zh-CN" sz="1800" dirty="0"/>
               <a:t>()     </a:t>
             </a:r>
+            <a:endParaRPr lang="en-US" altLang="zh-CN" sz="1800" dirty="0"/>
           </a:p>
           <a:p>
             <a:pPr marL="457200" lvl="1" indent="0">
@@ -4859,12 +5107,14 @@
               <a:rPr lang="en-US" altLang="zh-CN" sz="1800" dirty="0"/>
               <a:t>     an object we should be telling it to do something; we should not be asking it about its internals</a:t>
             </a:r>
+            <a:endParaRPr lang="en-US" altLang="zh-CN" sz="1800" dirty="0"/>
           </a:p>
           <a:p>
             <a:r>
               <a:rPr lang="en-US" altLang="zh-CN" sz="2200" dirty="0"/>
               <a:t>Data Transfer Objects</a:t>
             </a:r>
+            <a:endParaRPr lang="en-US" altLang="zh-CN" sz="2200" dirty="0"/>
           </a:p>
           <a:p>
             <a:pPr marL="457200" lvl="1" indent="0">
@@ -4874,6 +5124,7 @@
               <a:rPr lang="en-US" altLang="zh-CN" sz="1800" dirty="0"/>
               <a:t>DTO   communicating with DB or parsing messages from sockets</a:t>
             </a:r>
+            <a:endParaRPr lang="en-US" altLang="zh-CN" sz="1800" dirty="0"/>
           </a:p>
           <a:p>
             <a:pPr marL="457200" lvl="1" indent="0">
@@ -4883,15 +5134,11 @@
               <a:rPr lang="en-US" altLang="zh-CN" sz="1800" dirty="0"/>
               <a:t>“bean” form, have private variables manipulate by getters and setters</a:t>
             </a:r>
+            <a:endParaRPr lang="en-US" altLang="zh-CN" sz="1800" dirty="0"/>
           </a:p>
         </p:txBody>
       </p:sp>
     </p:spTree>
-    <p:extLst>
-      <p:ext uri="{BB962C8B-B14F-4D97-AF65-F5344CB8AC3E}">
-        <p14:creationId xmlns:p14="http://schemas.microsoft.com/office/powerpoint/2010/main" val="2215148172"/>
-      </p:ext>
-    </p:extLst>
   </p:cSld>
   <p:clrMapOvr>
     <a:masterClrMapping/>
@@ -4918,13 +5165,7 @@
       </p:grpSpPr>
       <p:sp>
         <p:nvSpPr>
-          <p:cNvPr id="2" name="标题 1">
-            <a:extLst>
-              <a:ext uri="{FF2B5EF4-FFF2-40B4-BE49-F238E27FC236}">
-                <a16:creationId xmlns:a16="http://schemas.microsoft.com/office/drawing/2014/main" id="{E09A4D9B-B0E6-43EE-98EE-27241D158501}"/>
-              </a:ext>
-            </a:extLst>
-          </p:cNvPr>
+          <p:cNvPr id="2" name="标题 1"/>
           <p:cNvSpPr>
             <a:spLocks noGrp="1"/>
           </p:cNvSpPr>
@@ -4947,13 +5188,7 @@
       </p:sp>
       <p:sp>
         <p:nvSpPr>
-          <p:cNvPr id="3" name="内容占位符 2">
-            <a:extLst>
-              <a:ext uri="{FF2B5EF4-FFF2-40B4-BE49-F238E27FC236}">
-                <a16:creationId xmlns:a16="http://schemas.microsoft.com/office/drawing/2014/main" id="{143ACB3F-E067-41EE-ADAC-16C36B81CD79}"/>
-              </a:ext>
-            </a:extLst>
-          </p:cNvPr>
+          <p:cNvPr id="3" name="内容占位符 2"/>
           <p:cNvSpPr>
             <a:spLocks noGrp="1"/>
           </p:cNvSpPr>
@@ -4972,18 +5207,21 @@
               <a:rPr lang="en-US" altLang="zh-CN" sz="2000" dirty="0"/>
               <a:t>Use Exceptions Rather Than Return Codes</a:t>
             </a:r>
+            <a:endParaRPr lang="en-US" altLang="zh-CN" sz="2000" dirty="0"/>
           </a:p>
           <a:p>
             <a:r>
               <a:rPr lang="en-US" altLang="zh-CN" sz="2000" dirty="0"/>
               <a:t>Write Your Try-Catch-Finally Statement First</a:t>
             </a:r>
+            <a:endParaRPr lang="en-US" altLang="zh-CN" sz="2000" dirty="0"/>
           </a:p>
           <a:p>
             <a:r>
               <a:rPr lang="en-US" altLang="zh-CN" sz="2000" dirty="0"/>
               <a:t>Use Unchecked Exceptions: checked exception is an Open/Closed Principle violation</a:t>
             </a:r>
+            <a:endParaRPr lang="en-US" altLang="zh-CN" sz="2000" dirty="0"/>
           </a:p>
           <a:p>
             <a:r>
@@ -5001,18 +5239,21 @@
               <a:rPr lang="en-US" altLang="zh-CN" sz="2000" dirty="0"/>
               <a:t>Define Exception Classes in Terms of a Caller’s Needs</a:t>
             </a:r>
+            <a:endParaRPr lang="en-US" altLang="zh-CN" sz="2000" dirty="0"/>
           </a:p>
           <a:p>
             <a:r>
               <a:rPr lang="en-US" altLang="zh-CN" sz="2000" dirty="0"/>
               <a:t>Define the Normal Flow   SPECIAL CASE PATTERN</a:t>
             </a:r>
+            <a:endParaRPr lang="en-US" altLang="zh-CN" sz="2000" dirty="0"/>
           </a:p>
           <a:p>
             <a:r>
               <a:rPr lang="en-US" altLang="zh-CN" sz="2000" dirty="0"/>
               <a:t>Don’t Return Null   throws an exception or returns a special case object</a:t>
             </a:r>
+            <a:endParaRPr lang="en-US" altLang="zh-CN" sz="2000" dirty="0"/>
           </a:p>
           <a:p>
             <a:r>
@@ -5028,11 +5269,140 @@
         </p:txBody>
       </p:sp>
     </p:spTree>
-    <p:extLst>
-      <p:ext uri="{BB962C8B-B14F-4D97-AF65-F5344CB8AC3E}">
-        <p14:creationId xmlns:p14="http://schemas.microsoft.com/office/powerpoint/2010/main" val="1588437317"/>
-      </p:ext>
-    </p:extLst>
+  </p:cSld>
+  <p:clrMapOvr>
+    <a:masterClrMapping/>
+  </p:clrMapOvr>
+</p:sld>
+</file>
+
+<file path=ppt/slides/slide9.xml><?xml version="1.0" encoding="utf-8"?>
+<p:sld xmlns:a="http://schemas.openxmlformats.org/drawingml/2006/main" xmlns:r="http://schemas.openxmlformats.org/officeDocument/2006/relationships" xmlns:p="http://schemas.openxmlformats.org/presentationml/2006/main">
+  <p:cSld>
+    <p:spTree>
+      <p:nvGrpSpPr>
+        <p:cNvPr id="1" name=""/>
+        <p:cNvGrpSpPr/>
+        <p:nvPr/>
+      </p:nvGrpSpPr>
+      <p:grpSpPr/>
+      <p:sp>
+        <p:nvSpPr>
+          <p:cNvPr id="2" name="标题 1"/>
+          <p:cNvSpPr>
+            <a:spLocks noGrp="1"/>
+          </p:cNvSpPr>
+          <p:nvPr>
+            <p:ph type="title"/>
+          </p:nvPr>
+        </p:nvSpPr>
+        <p:spPr/>
+        <p:txBody>
+          <a:bodyPr/>
+          <a:p>
+            <a:r>
+              <a:rPr lang="en-US" altLang="zh-CN"/>
+              <a:t>Boundaries</a:t>
+            </a:r>
+            <a:endParaRPr lang="en-US" altLang="zh-CN"/>
+          </a:p>
+        </p:txBody>
+      </p:sp>
+      <p:sp>
+        <p:nvSpPr>
+          <p:cNvPr id="3" name="内容占位符 2"/>
+          <p:cNvSpPr>
+            <a:spLocks noGrp="1"/>
+          </p:cNvSpPr>
+          <p:nvPr>
+            <p:ph idx="1"/>
+          </p:nvPr>
+        </p:nvSpPr>
+        <p:spPr/>
+        <p:txBody>
+          <a:bodyPr/>
+          <a:p>
+            <a:r>
+              <a:rPr lang="en-US" altLang="zh-CN"/>
+              <a:t>Using Third-Party Code</a:t>
+            </a:r>
+            <a:endParaRPr lang="en-US" altLang="zh-CN"/>
+          </a:p>
+          <a:p>
+            <a:pPr lvl="1"/>
+            <a:r>
+              <a:rPr lang="en-US" altLang="zh-CN"/>
+              <a:t>Not to pass any interface at a boundary around your system, keep it inside the class(e.g. using Map)</a:t>
+            </a:r>
+            <a:endParaRPr lang="en-US" altLang="zh-CN"/>
+          </a:p>
+          <a:p>
+            <a:pPr lvl="0"/>
+            <a:r>
+              <a:rPr lang="en-US" altLang="zh-CN"/>
+              <a:t>Exploring and Learning Boundaries</a:t>
+            </a:r>
+            <a:endParaRPr lang="en-US" altLang="zh-CN"/>
+          </a:p>
+          <a:p>
+            <a:pPr lvl="1"/>
+            <a:r>
+              <a:rPr lang="en-US" altLang="zh-CN"/>
+              <a:t>write learning tests</a:t>
+            </a:r>
+            <a:endParaRPr lang="en-US" altLang="zh-CN"/>
+          </a:p>
+          <a:p>
+            <a:pPr lvl="0"/>
+            <a:r>
+              <a:rPr lang="en-US" altLang="zh-CN"/>
+              <a:t>Learning Tests Are Better Than Free</a:t>
+            </a:r>
+            <a:endParaRPr lang="en-US" altLang="zh-CN"/>
+          </a:p>
+          <a:p>
+            <a:pPr lvl="1"/>
+            <a:r>
+              <a:rPr lang="en-US" altLang="zh-CN"/>
+              <a:t>We had to learn the API</a:t>
+            </a:r>
+            <a:endParaRPr lang="en-US" altLang="zh-CN"/>
+          </a:p>
+          <a:p>
+            <a:pPr lvl="1"/>
+            <a:r>
+              <a:rPr lang="en-US" altLang="zh-CN"/>
+              <a:t>verify new releases behavior difference</a:t>
+            </a:r>
+            <a:endParaRPr lang="en-US" altLang="zh-CN"/>
+          </a:p>
+          <a:p>
+            <a:pPr lvl="0"/>
+            <a:r>
+              <a:rPr lang="en-US" altLang="zh-CN"/>
+              <a:t>Using Code That Does Not Yet Exist</a:t>
+            </a:r>
+            <a:endParaRPr lang="en-US" altLang="zh-CN"/>
+          </a:p>
+          <a:p>
+            <a:pPr lvl="1"/>
+            <a:r>
+              <a:rPr lang="en-US" altLang="zh-CN"/>
+              <a:t>made us aware of what we wanted</a:t>
+            </a:r>
+            <a:endParaRPr lang="en-US" altLang="zh-CN"/>
+          </a:p>
+          <a:p>
+            <a:pPr lvl="1"/>
+            <a:r>
+              <a:rPr lang="en-US" altLang="zh-CN"/>
+              <a:t>then using Adapter to implement</a:t>
+            </a:r>
+            <a:endParaRPr lang="en-US" altLang="zh-CN"/>
+          </a:p>
+        </p:txBody>
+      </p:sp>
+    </p:spTree>
   </p:cSld>
   <p:clrMapOvr>
     <a:masterClrMapping/>
@@ -5041,7 +5411,7 @@
 </file>
 
 <file path=ppt/tags/tag1.xml><?xml version="1.0" encoding="utf-8"?>
-<p:tagLst xmlns:a="http://schemas.openxmlformats.org/drawingml/2006/main" xmlns:r="http://schemas.openxmlformats.org/officeDocument/2006/relationships" xmlns:p="http://schemas.openxmlformats.org/presentationml/2006/main">
+<p:tagLst xmlns:p="http://schemas.openxmlformats.org/presentationml/2006/main">
   <p:tag name="KSO_WM_SLIDE_MODEL_TYPE" val="cover"/>
 </p:tagLst>
 </file>
@@ -5297,8 +5667,6 @@
       </a:bgFillStyleLst>
     </a:fmtScheme>
   </a:themeElements>
-  <a:objectDefaults/>
-  <a:extraClrSchemeLst/>
   <a:extLst>
     <a:ext uri="{05A4C25C-085E-4340-85A3-A5531E510DB2}">
       <thm15:themeFamily xmlns:thm15="http://schemas.microsoft.com/office/thememl/2012/main" name="Office Theme" id="{62F939B6-93AF-4DB8-9C6B-D6C7DFDC589F}" vid="{4A3C46E8-61CC-4603-A589-7422A47A8E4A}"/>
@@ -5558,8 +5926,6 @@
       </a:bgFillStyleLst>
     </a:fmtScheme>
   </a:themeElements>
-  <a:objectDefaults/>
-  <a:extraClrSchemeLst/>
   <a:extLst>
     <a:ext uri="{05A4C25C-085E-4340-85A3-A5531E510DB2}">
       <thm15:themeFamily xmlns:thm15="http://schemas.microsoft.com/office/thememl/2012/main" name="Office Theme" id="{62F939B6-93AF-4DB8-9C6B-D6C7DFDC589F}" vid="{4A3C46E8-61CC-4603-A589-7422A47A8E4A}"/>
